--- a/FinalPresentationV3.pptx
+++ b/FinalPresentationV3.pptx
@@ -163,7 +163,7 @@
           <a:lstStyle/>
           <a:p>
             <a:pPr>
-              <a:defRPr sz="5000" b="0" i="0" u="none" strike="noStrike" kern="1200" spc="0" baseline="0">
+              <a:defRPr sz="5400" b="0" i="0" u="none" strike="noStrike" kern="1200" spc="0" baseline="0">
                 <a:solidFill>
                   <a:schemeClr val="tx1"/>
                 </a:solidFill>
@@ -173,32 +173,46 @@
               </a:defRPr>
             </a:pPr>
             <a:r>
-              <a:rPr lang="en-US" sz="5400" b="1" kern="1200" dirty="0">
-                <a:solidFill>
-                  <a:srgbClr val="203864"/>
-                </a:solidFill>
-                <a:effectLst/>
-                <a:latin typeface="Arial" panose="020B0604020202020204" pitchFamily="34" charset="0"/>
-                <a:ea typeface="+mn-ea"/>
-                <a:cs typeface="+mn-cs"/>
+              <a:rPr lang="en-US" sz="5400" dirty="0">
+                <a:solidFill>
+                  <a:schemeClr val="tx1"/>
+                </a:solidFill>
+                <a:latin typeface="Times New Roman" panose="02020603050405020304" pitchFamily="18" charset="0"/>
+                <a:cs typeface="Times New Roman" panose="02020603050405020304" pitchFamily="18" charset="0"/>
               </a:rPr>
-              <a:t>EMS</a:t>
+              <a:t>EMS Travel Time</a:t>
             </a:r>
             <a:r>
-              <a:rPr lang="en-US" sz="5400" b="1" kern="1200" baseline="0" dirty="0">
-                <a:solidFill>
-                  <a:srgbClr val="203864"/>
-                </a:solidFill>
-                <a:effectLst/>
-                <a:latin typeface="Arial" panose="020B0604020202020204" pitchFamily="34" charset="0"/>
-                <a:ea typeface="+mn-ea"/>
-                <a:cs typeface="+mn-cs"/>
+              <a:rPr lang="en-US" sz="5400" baseline="0" dirty="0">
+                <a:solidFill>
+                  <a:schemeClr val="tx1"/>
+                </a:solidFill>
+                <a:latin typeface="Times New Roman" panose="02020603050405020304" pitchFamily="18" charset="0"/>
+                <a:cs typeface="Times New Roman" panose="02020603050405020304" pitchFamily="18" charset="0"/>
               </a:rPr>
-              <a:t> Travel Time by Priority</a:t>
+              <a:t> vs Traffic Density</a:t>
             </a:r>
-            <a:endParaRPr lang="en-US" sz="5400" dirty="0">
-              <a:effectLst/>
-            </a:endParaRPr>
+          </a:p>
+          <a:p>
+            <a:pPr>
+              <a:defRPr sz="5400">
+                <a:solidFill>
+                  <a:schemeClr val="tx1"/>
+                </a:solidFill>
+                <a:latin typeface="Times New Roman" panose="02020603050405020304" pitchFamily="18" charset="0"/>
+                <a:cs typeface="Times New Roman" panose="02020603050405020304" pitchFamily="18" charset="0"/>
+              </a:defRPr>
+            </a:pPr>
+            <a:r>
+              <a:rPr lang="en-US" sz="3200" baseline="0" dirty="0">
+                <a:solidFill>
+                  <a:schemeClr val="tx1"/>
+                </a:solidFill>
+                <a:latin typeface="Times New Roman" panose="02020603050405020304" pitchFamily="18" charset="0"/>
+                <a:cs typeface="Times New Roman" panose="02020603050405020304" pitchFamily="18" charset="0"/>
+              </a:rPr>
+              <a:t>(Average over ten simulations)</a:t>
+            </a:r>
           </a:p>
         </c:rich>
       </c:tx>
@@ -215,7 +229,7 @@
         <a:lstStyle/>
         <a:p>
           <a:pPr>
-            <a:defRPr sz="5000" b="0" i="0" u="none" strike="noStrike" kern="1200" spc="0" baseline="0">
+            <a:defRPr sz="5400" b="0" i="0" u="none" strike="noStrike" kern="1200" spc="0" baseline="0">
               <a:solidFill>
                 <a:schemeClr val="tx1"/>
               </a:solidFill>
@@ -235,10 +249,10 @@
           <c:layoutTarget val="inner"/>
           <c:xMode val="edge"/>
           <c:yMode val="edge"/>
-          <c:x val="0.1652359854766762"/>
-          <c:y val="0.16321902304429198"/>
-          <c:w val="0.80917871512934703"/>
-          <c:h val="0.66959030018126919"/>
+          <c:x val="0.15686776682279363"/>
+          <c:y val="0.16595706210983527"/>
+          <c:w val="0.79900481633533504"/>
+          <c:h val="0.66273983810530079"/>
         </c:manualLayout>
       </c:layout>
       <c:barChart>
@@ -250,9 +264,9 @@
           <c:order val="0"/>
           <c:tx>
             <c:strRef>
-              <c:f>'[Spreadsheet with simulation information.xlsx]Sheet1'!$B$1:$B$2</c:f>
+              <c:f>Sheet1!$B$1</c:f>
               <c:strCache>
-                <c:ptCount val="2"/>
+                <c:ptCount val="1"/>
                 <c:pt idx="0">
                   <c:v>Green Corridor</c:v>
                 </c:pt>
@@ -270,112 +284,43 @@
           </c:spPr>
           <c:invertIfNegative val="0"/>
           <c:cat>
-            <c:numRef>
-              <c:f>'[Spreadsheet with simulation information.xlsx]Sheet1'!$A$3:$A$35</c:f>
-              <c:numCache>
-                <c:formatCode>General</c:formatCode>
-                <c:ptCount val="14"/>
+            <c:strRef>
+              <c:f>Sheet1!$A$2:$A$4</c:f>
+              <c:strCache>
+                <c:ptCount val="3"/>
                 <c:pt idx="0">
-                  <c:v>1</c:v>
+                  <c:v>Light</c:v>
                 </c:pt>
                 <c:pt idx="1">
-                  <c:v>2</c:v>
+                  <c:v>Medium</c:v>
                 </c:pt>
                 <c:pt idx="2">
-                  <c:v>3</c:v>
+                  <c:v>Heavy</c:v>
                 </c:pt>
-                <c:pt idx="3">
-                  <c:v>4</c:v>
-                </c:pt>
-                <c:pt idx="4">
-                  <c:v>5</c:v>
-                </c:pt>
-                <c:pt idx="5">
-                  <c:v>7</c:v>
-                </c:pt>
-                <c:pt idx="6">
-                  <c:v>8</c:v>
-                </c:pt>
-                <c:pt idx="7">
-                  <c:v>11</c:v>
-                </c:pt>
-                <c:pt idx="8">
-                  <c:v>12</c:v>
-                </c:pt>
-                <c:pt idx="9">
-                  <c:v>13</c:v>
-                </c:pt>
-                <c:pt idx="10">
-                  <c:v>14</c:v>
-                </c:pt>
-                <c:pt idx="11">
-                  <c:v>15</c:v>
-                </c:pt>
-                <c:pt idx="12">
-                  <c:v>18</c:v>
-                </c:pt>
-                <c:pt idx="13">
-                  <c:v>19</c:v>
-                </c:pt>
-              </c:numCache>
-              <c:extLst/>
-            </c:numRef>
+              </c:strCache>
+            </c:strRef>
           </c:cat>
           <c:val>
             <c:numRef>
-              <c:f>'[Spreadsheet with simulation information.xlsx]Sheet1'!$B$3:$B$35</c:f>
+              <c:f>Sheet1!$B$2:$B$4</c:f>
               <c:numCache>
                 <c:formatCode>General</c:formatCode>
-                <c:ptCount val="14"/>
+                <c:ptCount val="3"/>
                 <c:pt idx="0">
-                  <c:v>51</c:v>
+                  <c:v>30</c:v>
                 </c:pt>
                 <c:pt idx="1">
-                  <c:v>76</c:v>
+                  <c:v>43</c:v>
                 </c:pt>
                 <c:pt idx="2">
-                  <c:v>51</c:v>
-                </c:pt>
-                <c:pt idx="3">
-                  <c:v>69</c:v>
-                </c:pt>
-                <c:pt idx="4">
-                  <c:v>56</c:v>
-                </c:pt>
-                <c:pt idx="5">
-                  <c:v>62</c:v>
-                </c:pt>
-                <c:pt idx="6">
-                  <c:v>70</c:v>
-                </c:pt>
-                <c:pt idx="7">
-                  <c:v>67</c:v>
-                </c:pt>
-                <c:pt idx="8">
-                  <c:v>69</c:v>
-                </c:pt>
-                <c:pt idx="9">
-                  <c:v>71</c:v>
-                </c:pt>
-                <c:pt idx="10">
-                  <c:v>49</c:v>
-                </c:pt>
-                <c:pt idx="11">
-                  <c:v>51</c:v>
-                </c:pt>
-                <c:pt idx="12">
-                  <c:v>60</c:v>
-                </c:pt>
-                <c:pt idx="13">
-                  <c:v>50</c:v>
+                  <c:v>48</c:v>
                 </c:pt>
               </c:numCache>
-              <c:extLst/>
             </c:numRef>
           </c:val>
           <c:extLst>
             <c:ext xmlns:c16="http://schemas.microsoft.com/office/drawing/2014/chart" uri="{C3380CC4-5D6E-409C-BE32-E72D297353CC}">
-              <c16:uniqueId val="{00000000-CC7C-45AA-A7F2-48D37B13E459}"/>
+              <c16:uniqueId val="{00000000-62C1-446A-9212-713A68981A25}"/>
             </c:ext>
           </c:extLst>
         </c:ser>
@@ -384,9 +329,9 @@
           <c:order val="2"/>
           <c:tx>
             <c:strRef>
-              <c:f>'[Spreadsheet with simulation information.xlsx]Sheet1'!$D$1:$D$2</c:f>
+              <c:f>Sheet1!$D$1</c:f>
               <c:strCache>
-                <c:ptCount val="2"/>
+                <c:ptCount val="1"/>
                 <c:pt idx="0">
                   <c:v>Red Freeze</c:v>
                 </c:pt>
@@ -404,112 +349,43 @@
           </c:spPr>
           <c:invertIfNegative val="0"/>
           <c:cat>
-            <c:numRef>
-              <c:f>'[Spreadsheet with simulation information.xlsx]Sheet1'!$A$3:$A$35</c:f>
-              <c:numCache>
-                <c:formatCode>General</c:formatCode>
-                <c:ptCount val="14"/>
+            <c:strRef>
+              <c:f>Sheet1!$A$2:$A$4</c:f>
+              <c:strCache>
+                <c:ptCount val="3"/>
                 <c:pt idx="0">
-                  <c:v>1</c:v>
+                  <c:v>Light</c:v>
                 </c:pt>
                 <c:pt idx="1">
-                  <c:v>2</c:v>
+                  <c:v>Medium</c:v>
                 </c:pt>
                 <c:pt idx="2">
-                  <c:v>3</c:v>
+                  <c:v>Heavy</c:v>
                 </c:pt>
-                <c:pt idx="3">
-                  <c:v>4</c:v>
-                </c:pt>
-                <c:pt idx="4">
-                  <c:v>5</c:v>
-                </c:pt>
-                <c:pt idx="5">
-                  <c:v>7</c:v>
-                </c:pt>
-                <c:pt idx="6">
-                  <c:v>8</c:v>
-                </c:pt>
-                <c:pt idx="7">
-                  <c:v>11</c:v>
-                </c:pt>
-                <c:pt idx="8">
-                  <c:v>12</c:v>
-                </c:pt>
-                <c:pt idx="9">
-                  <c:v>13</c:v>
-                </c:pt>
-                <c:pt idx="10">
-                  <c:v>14</c:v>
-                </c:pt>
-                <c:pt idx="11">
-                  <c:v>15</c:v>
-                </c:pt>
-                <c:pt idx="12">
-                  <c:v>18</c:v>
-                </c:pt>
-                <c:pt idx="13">
-                  <c:v>19</c:v>
-                </c:pt>
-              </c:numCache>
-              <c:extLst/>
-            </c:numRef>
+              </c:strCache>
+            </c:strRef>
           </c:cat>
           <c:val>
             <c:numRef>
-              <c:f>'[Spreadsheet with simulation information.xlsx]Sheet1'!$D$3:$D$35</c:f>
+              <c:f>Sheet1!$D$2:$D$4</c:f>
               <c:numCache>
                 <c:formatCode>General</c:formatCode>
-                <c:ptCount val="14"/>
+                <c:ptCount val="3"/>
                 <c:pt idx="0">
-                  <c:v>54</c:v>
+                  <c:v>41</c:v>
                 </c:pt>
                 <c:pt idx="1">
-                  <c:v>73</c:v>
+                  <c:v>62</c:v>
                 </c:pt>
                 <c:pt idx="2">
-                  <c:v>62</c:v>
-                </c:pt>
-                <c:pt idx="3">
-                  <c:v>69</c:v>
-                </c:pt>
-                <c:pt idx="4">
-                  <c:v>63</c:v>
-                </c:pt>
-                <c:pt idx="5">
-                  <c:v>62</c:v>
-                </c:pt>
-                <c:pt idx="6">
-                  <c:v>67</c:v>
-                </c:pt>
-                <c:pt idx="7">
-                  <c:v>57</c:v>
-                </c:pt>
-                <c:pt idx="8">
-                  <c:v>64</c:v>
-                </c:pt>
-                <c:pt idx="9">
-                  <c:v>62</c:v>
-                </c:pt>
-                <c:pt idx="10">
-                  <c:v>54</c:v>
-                </c:pt>
-                <c:pt idx="11">
-                  <c:v>58</c:v>
-                </c:pt>
-                <c:pt idx="12">
-                  <c:v>57</c:v>
-                </c:pt>
-                <c:pt idx="13">
-                  <c:v>45</c:v>
+                  <c:v>66</c:v>
                 </c:pt>
               </c:numCache>
-              <c:extLst/>
             </c:numRef>
           </c:val>
           <c:extLst>
             <c:ext xmlns:c16="http://schemas.microsoft.com/office/drawing/2014/chart" uri="{C3380CC4-5D6E-409C-BE32-E72D297353CC}">
-              <c16:uniqueId val="{00000001-CC7C-45AA-A7F2-48D37B13E459}"/>
+              <c16:uniqueId val="{00000001-62C1-446A-9212-713A68981A25}"/>
             </c:ext>
           </c:extLst>
         </c:ser>
@@ -518,9 +394,9 @@
           <c:order val="4"/>
           <c:tx>
             <c:strRef>
-              <c:f>'[Spreadsheet with simulation information.xlsx]Sheet1'!$F$1:$F$2</c:f>
+              <c:f>Sheet1!$F$1</c:f>
               <c:strCache>
-                <c:ptCount val="2"/>
+                <c:ptCount val="1"/>
                 <c:pt idx="0">
                   <c:v>Control</c:v>
                 </c:pt>
@@ -538,112 +414,43 @@
           </c:spPr>
           <c:invertIfNegative val="0"/>
           <c:cat>
-            <c:numRef>
-              <c:f>'[Spreadsheet with simulation information.xlsx]Sheet1'!$A$3:$A$35</c:f>
-              <c:numCache>
-                <c:formatCode>General</c:formatCode>
-                <c:ptCount val="14"/>
+            <c:strRef>
+              <c:f>Sheet1!$A$2:$A$4</c:f>
+              <c:strCache>
+                <c:ptCount val="3"/>
                 <c:pt idx="0">
-                  <c:v>1</c:v>
+                  <c:v>Light</c:v>
                 </c:pt>
                 <c:pt idx="1">
-                  <c:v>2</c:v>
+                  <c:v>Medium</c:v>
                 </c:pt>
                 <c:pt idx="2">
-                  <c:v>3</c:v>
+                  <c:v>Heavy</c:v>
                 </c:pt>
-                <c:pt idx="3">
-                  <c:v>4</c:v>
-                </c:pt>
-                <c:pt idx="4">
-                  <c:v>5</c:v>
-                </c:pt>
-                <c:pt idx="5">
-                  <c:v>7</c:v>
-                </c:pt>
-                <c:pt idx="6">
-                  <c:v>8</c:v>
-                </c:pt>
-                <c:pt idx="7">
-                  <c:v>11</c:v>
-                </c:pt>
-                <c:pt idx="8">
-                  <c:v>12</c:v>
-                </c:pt>
-                <c:pt idx="9">
-                  <c:v>13</c:v>
-                </c:pt>
-                <c:pt idx="10">
-                  <c:v>14</c:v>
-                </c:pt>
-                <c:pt idx="11">
-                  <c:v>15</c:v>
-                </c:pt>
-                <c:pt idx="12">
-                  <c:v>18</c:v>
-                </c:pt>
-                <c:pt idx="13">
-                  <c:v>19</c:v>
-                </c:pt>
-              </c:numCache>
-              <c:extLst/>
-            </c:numRef>
+              </c:strCache>
+            </c:strRef>
           </c:cat>
           <c:val>
             <c:numRef>
-              <c:f>'[Spreadsheet with simulation information.xlsx]Sheet1'!$F$3:$F$35</c:f>
+              <c:f>Sheet1!$F$2:$F$4</c:f>
               <c:numCache>
                 <c:formatCode>General</c:formatCode>
-                <c:ptCount val="14"/>
+                <c:ptCount val="3"/>
                 <c:pt idx="0">
-                  <c:v>84</c:v>
+                  <c:v>46</c:v>
                 </c:pt>
                 <c:pt idx="1">
-                  <c:v>109</c:v>
+                  <c:v>79</c:v>
                 </c:pt>
                 <c:pt idx="2">
-                  <c:v>72</c:v>
-                </c:pt>
-                <c:pt idx="3">
-                  <c:v>130</c:v>
-                </c:pt>
-                <c:pt idx="4">
-                  <c:v>174</c:v>
-                </c:pt>
-                <c:pt idx="5">
-                  <c:v>94</c:v>
-                </c:pt>
-                <c:pt idx="6">
-                  <c:v>83</c:v>
-                </c:pt>
-                <c:pt idx="7">
-                  <c:v>80</c:v>
-                </c:pt>
-                <c:pt idx="8">
-                  <c:v>70</c:v>
-                </c:pt>
-                <c:pt idx="9">
-                  <c:v>77</c:v>
-                </c:pt>
-                <c:pt idx="10">
-                  <c:v>95</c:v>
-                </c:pt>
-                <c:pt idx="11">
-                  <c:v>88</c:v>
-                </c:pt>
-                <c:pt idx="12">
-                  <c:v>74</c:v>
-                </c:pt>
-                <c:pt idx="13">
-                  <c:v>60</c:v>
+                  <c:v>91</c:v>
                 </c:pt>
               </c:numCache>
-              <c:extLst/>
             </c:numRef>
           </c:val>
           <c:extLst>
             <c:ext xmlns:c16="http://schemas.microsoft.com/office/drawing/2014/chart" uri="{C3380CC4-5D6E-409C-BE32-E72D297353CC}">
-              <c16:uniqueId val="{00000002-CC7C-45AA-A7F2-48D37B13E459}"/>
+              <c16:uniqueId val="{00000002-62C1-446A-9212-713A68981A25}"/>
             </c:ext>
           </c:extLst>
         </c:ser>
@@ -670,12 +477,12 @@
                     <c:extLst>
                       <c:ext uri="{02D57815-91ED-43cb-92C2-25804820EDAC}">
                         <c15:formulaRef>
-                          <c15:sqref>'[Spreadsheet with simulation information.xlsx]Sheet1'!$C$1:$C$2</c15:sqref>
+                          <c15:sqref>Sheet1!$C$1</c15:sqref>
                         </c15:formulaRef>
                       </c:ext>
                     </c:extLst>
                     <c:strCache>
-                      <c:ptCount val="2"/>
+                      <c:ptCount val="1"/>
                       <c:pt idx="0">
                         <c:v>Green Corridor</c:v>
                       </c:pt>
@@ -693,122 +500,55 @@
                 </c:spPr>
                 <c:invertIfNegative val="0"/>
                 <c:cat>
-                  <c:numRef>
+                  <c:strRef>
                     <c:extLst>
                       <c:ext uri="{02D57815-91ED-43cb-92C2-25804820EDAC}">
                         <c15:formulaRef>
-                          <c15:sqref>'[Spreadsheet with simulation information.xlsx]Sheet1'!$A$3:$A$35</c15:sqref>
+                          <c15:sqref>Sheet1!$A$2:$A$4</c15:sqref>
                         </c15:formulaRef>
                       </c:ext>
                     </c:extLst>
-                    <c:numCache>
-                      <c:formatCode>General</c:formatCode>
-                      <c:ptCount val="14"/>
+                    <c:strCache>
+                      <c:ptCount val="3"/>
                       <c:pt idx="0">
-                        <c:v>1</c:v>
+                        <c:v>Light</c:v>
                       </c:pt>
                       <c:pt idx="1">
-                        <c:v>2</c:v>
+                        <c:v>Medium</c:v>
                       </c:pt>
                       <c:pt idx="2">
-                        <c:v>3</c:v>
+                        <c:v>Heavy</c:v>
                       </c:pt>
-                      <c:pt idx="3">
-                        <c:v>4</c:v>
-                      </c:pt>
-                      <c:pt idx="4">
-                        <c:v>5</c:v>
-                      </c:pt>
-                      <c:pt idx="5">
-                        <c:v>7</c:v>
-                      </c:pt>
-                      <c:pt idx="6">
-                        <c:v>8</c:v>
-                      </c:pt>
-                      <c:pt idx="7">
-                        <c:v>11</c:v>
-                      </c:pt>
-                      <c:pt idx="8">
-                        <c:v>12</c:v>
-                      </c:pt>
-                      <c:pt idx="9">
-                        <c:v>13</c:v>
-                      </c:pt>
-                      <c:pt idx="10">
-                        <c:v>14</c:v>
-                      </c:pt>
-                      <c:pt idx="11">
-                        <c:v>15</c:v>
-                      </c:pt>
-                      <c:pt idx="12">
-                        <c:v>18</c:v>
-                      </c:pt>
-                      <c:pt idx="13">
-                        <c:v>19</c:v>
-                      </c:pt>
-                    </c:numCache>
-                  </c:numRef>
+                    </c:strCache>
+                  </c:strRef>
                 </c:cat>
                 <c:val>
                   <c:numRef>
                     <c:extLst>
                       <c:ext uri="{02D57815-91ED-43cb-92C2-25804820EDAC}">
                         <c15:formulaRef>
-                          <c15:sqref>'[Spreadsheet with simulation information.xlsx]Sheet1'!$C$3:$C$35</c15:sqref>
+                          <c15:sqref>Sheet1!$C$2:$C$4</c15:sqref>
                         </c15:formulaRef>
                       </c:ext>
                     </c:extLst>
                     <c:numCache>
                       <c:formatCode>General</c:formatCode>
-                      <c:ptCount val="14"/>
+                      <c:ptCount val="3"/>
                       <c:pt idx="0">
-                        <c:v>3980</c:v>
+                        <c:v>183</c:v>
                       </c:pt>
                       <c:pt idx="1">
-                        <c:v>2030</c:v>
+                        <c:v>339</c:v>
                       </c:pt>
                       <c:pt idx="2">
-                        <c:v>1364</c:v>
-                      </c:pt>
-                      <c:pt idx="3">
-                        <c:v>1060</c:v>
-                      </c:pt>
-                      <c:pt idx="4">
-                        <c:v>833</c:v>
-                      </c:pt>
-                      <c:pt idx="5">
-                        <c:v>626</c:v>
-                      </c:pt>
-                      <c:pt idx="6">
-                        <c:v>551</c:v>
-                      </c:pt>
-                      <c:pt idx="7">
-                        <c:v>395</c:v>
-                      </c:pt>
-                      <c:pt idx="8">
-                        <c:v>386</c:v>
-                      </c:pt>
-                      <c:pt idx="9">
-                        <c:v>374</c:v>
-                      </c:pt>
-                      <c:pt idx="10">
-                        <c:v>374</c:v>
-                      </c:pt>
-                      <c:pt idx="11">
-                        <c:v>339</c:v>
-                      </c:pt>
-                      <c:pt idx="12">
-                        <c:v>294</c:v>
-                      </c:pt>
-                      <c:pt idx="13">
-                        <c:v>281</c:v>
+                        <c:v>636</c:v>
                       </c:pt>
                     </c:numCache>
                   </c:numRef>
                 </c:val>
                 <c:extLst>
                   <c:ext xmlns:c16="http://schemas.microsoft.com/office/drawing/2014/chart" uri="{C3380CC4-5D6E-409C-BE32-E72D297353CC}">
-                    <c16:uniqueId val="{00000003-CC7C-45AA-A7F2-48D37B13E459}"/>
+                    <c16:uniqueId val="{00000003-62C1-446A-9212-713A68981A25}"/>
                   </c:ext>
                 </c:extLst>
               </c15:ser>
@@ -822,12 +562,12 @@
                     <c:extLst xmlns:c15="http://schemas.microsoft.com/office/drawing/2012/chart">
                       <c:ext xmlns:c15="http://schemas.microsoft.com/office/drawing/2012/chart" uri="{02D57815-91ED-43cb-92C2-25804820EDAC}">
                         <c15:formulaRef>
-                          <c15:sqref>'[Spreadsheet with simulation information.xlsx]Sheet1'!$E$1:$E$2</c15:sqref>
+                          <c15:sqref>Sheet1!$E$1</c15:sqref>
                         </c15:formulaRef>
                       </c:ext>
                     </c:extLst>
                     <c:strCache>
-                      <c:ptCount val="2"/>
+                      <c:ptCount val="1"/>
                       <c:pt idx="0">
                         <c:v>Red Freeze</c:v>
                       </c:pt>
@@ -845,122 +585,55 @@
                 </c:spPr>
                 <c:invertIfNegative val="0"/>
                 <c:cat>
-                  <c:numRef>
+                  <c:strRef>
                     <c:extLst xmlns:c15="http://schemas.microsoft.com/office/drawing/2012/chart">
                       <c:ext xmlns:c15="http://schemas.microsoft.com/office/drawing/2012/chart" uri="{02D57815-91ED-43cb-92C2-25804820EDAC}">
                         <c15:formulaRef>
-                          <c15:sqref>'[Spreadsheet with simulation information.xlsx]Sheet1'!$A$3:$A$35</c15:sqref>
+                          <c15:sqref>Sheet1!$A$2:$A$4</c15:sqref>
                         </c15:formulaRef>
                       </c:ext>
                     </c:extLst>
-                    <c:numCache>
-                      <c:formatCode>General</c:formatCode>
-                      <c:ptCount val="14"/>
+                    <c:strCache>
+                      <c:ptCount val="3"/>
                       <c:pt idx="0">
-                        <c:v>1</c:v>
+                        <c:v>Light</c:v>
                       </c:pt>
                       <c:pt idx="1">
-                        <c:v>2</c:v>
+                        <c:v>Medium</c:v>
                       </c:pt>
                       <c:pt idx="2">
-                        <c:v>3</c:v>
+                        <c:v>Heavy</c:v>
                       </c:pt>
-                      <c:pt idx="3">
-                        <c:v>4</c:v>
-                      </c:pt>
-                      <c:pt idx="4">
-                        <c:v>5</c:v>
-                      </c:pt>
-                      <c:pt idx="5">
-                        <c:v>7</c:v>
-                      </c:pt>
-                      <c:pt idx="6">
-                        <c:v>8</c:v>
-                      </c:pt>
-                      <c:pt idx="7">
-                        <c:v>11</c:v>
-                      </c:pt>
-                      <c:pt idx="8">
-                        <c:v>12</c:v>
-                      </c:pt>
-                      <c:pt idx="9">
-                        <c:v>13</c:v>
-                      </c:pt>
-                      <c:pt idx="10">
-                        <c:v>14</c:v>
-                      </c:pt>
-                      <c:pt idx="11">
-                        <c:v>15</c:v>
-                      </c:pt>
-                      <c:pt idx="12">
-                        <c:v>18</c:v>
-                      </c:pt>
-                      <c:pt idx="13">
-                        <c:v>19</c:v>
-                      </c:pt>
-                    </c:numCache>
-                  </c:numRef>
+                    </c:strCache>
+                  </c:strRef>
                 </c:cat>
                 <c:val>
                   <c:numRef>
                     <c:extLst xmlns:c15="http://schemas.microsoft.com/office/drawing/2012/chart">
                       <c:ext xmlns:c15="http://schemas.microsoft.com/office/drawing/2012/chart" uri="{02D57815-91ED-43cb-92C2-25804820EDAC}">
                         <c15:formulaRef>
-                          <c15:sqref>'[Spreadsheet with simulation information.xlsx]Sheet1'!$E$3:$E$35</c15:sqref>
+                          <c15:sqref>Sheet1!$E$2:$E$4</c15:sqref>
                         </c15:formulaRef>
                       </c:ext>
                     </c:extLst>
                     <c:numCache>
                       <c:formatCode>General</c:formatCode>
-                      <c:ptCount val="14"/>
+                      <c:ptCount val="3"/>
                       <c:pt idx="0">
-                        <c:v>4072</c:v>
+                        <c:v>221</c:v>
                       </c:pt>
                       <c:pt idx="1">
-                        <c:v>2117</c:v>
+                        <c:v>364</c:v>
                       </c:pt>
                       <c:pt idx="2">
-                        <c:v>1371</c:v>
-                      </c:pt>
-                      <c:pt idx="3">
-                        <c:v>1105</c:v>
-                      </c:pt>
-                      <c:pt idx="4">
-                        <c:v>929</c:v>
-                      </c:pt>
-                      <c:pt idx="5">
-                        <c:v>647</c:v>
-                      </c:pt>
-                      <c:pt idx="6">
-                        <c:v>587</c:v>
-                      </c:pt>
-                      <c:pt idx="7">
-                        <c:v>445</c:v>
-                      </c:pt>
-                      <c:pt idx="8">
-                        <c:v>402</c:v>
-                      </c:pt>
-                      <c:pt idx="9">
-                        <c:v>401</c:v>
-                      </c:pt>
-                      <c:pt idx="10">
-                        <c:v>385</c:v>
-                      </c:pt>
-                      <c:pt idx="11">
-                        <c:v>348</c:v>
-                      </c:pt>
-                      <c:pt idx="12">
-                        <c:v>294</c:v>
-                      </c:pt>
-                      <c:pt idx="13">
-                        <c:v>295</c:v>
+                        <c:v>699</c:v>
                       </c:pt>
                     </c:numCache>
                   </c:numRef>
                 </c:val>
                 <c:extLst xmlns:c15="http://schemas.microsoft.com/office/drawing/2012/chart">
                   <c:ext xmlns:c16="http://schemas.microsoft.com/office/drawing/2014/chart" uri="{C3380CC4-5D6E-409C-BE32-E72D297353CC}">
-                    <c16:uniqueId val="{00000004-CC7C-45AA-A7F2-48D37B13E459}"/>
+                    <c16:uniqueId val="{00000004-62C1-446A-9212-713A68981A25}"/>
                   </c:ext>
                 </c:extLst>
               </c15:ser>
@@ -974,12 +647,12 @@
                     <c:extLst xmlns:c15="http://schemas.microsoft.com/office/drawing/2012/chart">
                       <c:ext xmlns:c15="http://schemas.microsoft.com/office/drawing/2012/chart" uri="{02D57815-91ED-43cb-92C2-25804820EDAC}">
                         <c15:formulaRef>
-                          <c15:sqref>'[Spreadsheet with simulation information.xlsx]Sheet1'!$G$1:$G$2</c15:sqref>
+                          <c15:sqref>Sheet1!$G$1</c15:sqref>
                         </c15:formulaRef>
                       </c:ext>
                     </c:extLst>
                     <c:strCache>
-                      <c:ptCount val="2"/>
+                      <c:ptCount val="1"/>
                       <c:pt idx="0">
                         <c:v>Control</c:v>
                       </c:pt>
@@ -997,122 +670,55 @@
                 </c:spPr>
                 <c:invertIfNegative val="0"/>
                 <c:cat>
-                  <c:numRef>
+                  <c:strRef>
                     <c:extLst xmlns:c15="http://schemas.microsoft.com/office/drawing/2012/chart">
                       <c:ext xmlns:c15="http://schemas.microsoft.com/office/drawing/2012/chart" uri="{02D57815-91ED-43cb-92C2-25804820EDAC}">
                         <c15:formulaRef>
-                          <c15:sqref>'[Spreadsheet with simulation information.xlsx]Sheet1'!$A$3:$A$35</c15:sqref>
+                          <c15:sqref>Sheet1!$A$2:$A$4</c15:sqref>
                         </c15:formulaRef>
                       </c:ext>
                     </c:extLst>
-                    <c:numCache>
-                      <c:formatCode>General</c:formatCode>
-                      <c:ptCount val="14"/>
+                    <c:strCache>
+                      <c:ptCount val="3"/>
                       <c:pt idx="0">
-                        <c:v>1</c:v>
+                        <c:v>Light</c:v>
                       </c:pt>
                       <c:pt idx="1">
-                        <c:v>2</c:v>
+                        <c:v>Medium</c:v>
                       </c:pt>
                       <c:pt idx="2">
-                        <c:v>3</c:v>
+                        <c:v>Heavy</c:v>
                       </c:pt>
-                      <c:pt idx="3">
-                        <c:v>4</c:v>
-                      </c:pt>
-                      <c:pt idx="4">
-                        <c:v>5</c:v>
-                      </c:pt>
-                      <c:pt idx="5">
-                        <c:v>7</c:v>
-                      </c:pt>
-                      <c:pt idx="6">
-                        <c:v>8</c:v>
-                      </c:pt>
-                      <c:pt idx="7">
-                        <c:v>11</c:v>
-                      </c:pt>
-                      <c:pt idx="8">
-                        <c:v>12</c:v>
-                      </c:pt>
-                      <c:pt idx="9">
-                        <c:v>13</c:v>
-                      </c:pt>
-                      <c:pt idx="10">
-                        <c:v>14</c:v>
-                      </c:pt>
-                      <c:pt idx="11">
-                        <c:v>15</c:v>
-                      </c:pt>
-                      <c:pt idx="12">
-                        <c:v>18</c:v>
-                      </c:pt>
-                      <c:pt idx="13">
-                        <c:v>19</c:v>
-                      </c:pt>
-                    </c:numCache>
-                  </c:numRef>
+                    </c:strCache>
+                  </c:strRef>
                 </c:cat>
                 <c:val>
                   <c:numRef>
                     <c:extLst xmlns:c15="http://schemas.microsoft.com/office/drawing/2012/chart">
                       <c:ext xmlns:c15="http://schemas.microsoft.com/office/drawing/2012/chart" uri="{02D57815-91ED-43cb-92C2-25804820EDAC}">
                         <c15:formulaRef>
-                          <c15:sqref>'[Spreadsheet with simulation information.xlsx]Sheet1'!$G$3:$G$35</c15:sqref>
+                          <c15:sqref>Sheet1!$G$2:$G$4</c15:sqref>
                         </c15:formulaRef>
                       </c:ext>
                     </c:extLst>
                     <c:numCache>
                       <c:formatCode>General</c:formatCode>
-                      <c:ptCount val="14"/>
+                      <c:ptCount val="3"/>
                       <c:pt idx="0">
-                        <c:v>4096</c:v>
+                        <c:v>203</c:v>
                       </c:pt>
                       <c:pt idx="1">
-                        <c:v>2056</c:v>
+                        <c:v>375</c:v>
                       </c:pt>
                       <c:pt idx="2">
-                        <c:v>1378</c:v>
-                      </c:pt>
-                      <c:pt idx="3">
-                        <c:v>1031</c:v>
-                      </c:pt>
-                      <c:pt idx="4">
-                        <c:v>865</c:v>
-                      </c:pt>
-                      <c:pt idx="5">
-                        <c:v>657</c:v>
-                      </c:pt>
-                      <c:pt idx="6">
-                        <c:v>604</c:v>
-                      </c:pt>
-                      <c:pt idx="7">
-                        <c:v>507</c:v>
-                      </c:pt>
-                      <c:pt idx="8">
-                        <c:v>406</c:v>
-                      </c:pt>
-                      <c:pt idx="9">
-                        <c:v>380</c:v>
-                      </c:pt>
-                      <c:pt idx="10">
-                        <c:v>385</c:v>
-                      </c:pt>
-                      <c:pt idx="11">
-                        <c:v>318</c:v>
-                      </c:pt>
-                      <c:pt idx="12">
-                        <c:v>292</c:v>
-                      </c:pt>
-                      <c:pt idx="13">
-                        <c:v>301</c:v>
+                        <c:v>706</c:v>
                       </c:pt>
                     </c:numCache>
                   </c:numRef>
                 </c:val>
                 <c:extLst xmlns:c15="http://schemas.microsoft.com/office/drawing/2012/chart">
                   <c:ext xmlns:c16="http://schemas.microsoft.com/office/drawing/2014/chart" uri="{C3380CC4-5D6E-409C-BE32-E72D297353CC}">
-                    <c16:uniqueId val="{00000005-CC7C-45AA-A7F2-48D37B13E459}"/>
+                    <c16:uniqueId val="{00000005-62C1-446A-9212-713A68981A25}"/>
                   </c:ext>
                 </c:extLst>
               </c15:ser>
@@ -1161,7 +767,7 @@
                     <a:latin typeface="Times New Roman" panose="02020603050405020304" pitchFamily="18" charset="0"/>
                     <a:cs typeface="Times New Roman" panose="02020603050405020304" pitchFamily="18" charset="0"/>
                   </a:rPr>
-                  <a:t> Congestion (High [1] - Low [19])</a:t>
+                  <a:t> Congestion</a:t>
                 </a:r>
                 <a:endParaRPr lang="en-US" sz="5000">
                   <a:solidFill>
@@ -1278,7 +884,7 @@
                   </a:defRPr>
                 </a:pPr>
                 <a:r>
-                  <a:rPr lang="en-US" sz="5000" dirty="0">
+                  <a:rPr lang="en-US" sz="5000">
                     <a:solidFill>
                       <a:schemeClr val="tx1"/>
                     </a:solidFill>
@@ -1294,8 +900,8 @@
             <c:manualLayout>
               <c:xMode val="edge"/>
               <c:yMode val="edge"/>
-              <c:x val="3.6106890687727065E-3"/>
-              <c:y val="0.30924565325465259"/>
+              <c:x val="7.397167174621579E-3"/>
+              <c:y val="0.25307207026239437"/>
             </c:manualLayout>
           </c:layout>
           <c:overlay val="0"/>
@@ -1344,9 +950,9 @@
                 <a:solidFill>
                   <a:schemeClr val="tx1"/>
                 </a:solidFill>
-                <a:latin typeface="Times New Roman" panose="02020603050405020304" pitchFamily="18" charset="0"/>
+                <a:latin typeface="+mn-lt"/>
                 <a:ea typeface="+mn-ea"/>
-                <a:cs typeface="Times New Roman" panose="02020603050405020304" pitchFamily="18" charset="0"/>
+                <a:cs typeface="+mn-cs"/>
               </a:defRPr>
             </a:pPr>
             <a:endParaRPr lang="en-US"/>
@@ -1411,10 +1017,24 @@
           <a:bodyPr rot="0" spcFirstLastPara="1" vertOverflow="ellipsis" vert="horz" wrap="square" anchor="ctr" anchorCtr="1"/>
           <a:lstStyle/>
           <a:p>
-            <a:pPr>
-              <a:defRPr sz="7000" b="0" i="0" u="none" strike="noStrike" kern="1200" spc="0" baseline="0">
-                <a:solidFill>
-                  <a:schemeClr val="tx1"/>
+            <a:pPr marL="0" marR="0" lvl="0" indent="0" algn="ctr" defTabSz="914400" rtl="0" eaLnBrk="1" fontAlgn="auto" latinLnBrk="0" hangingPunct="1">
+              <a:lnSpc>
+                <a:spcPct val="100000"/>
+              </a:lnSpc>
+              <a:spcBef>
+                <a:spcPts val="0"/>
+              </a:spcBef>
+              <a:spcAft>
+                <a:spcPts val="0"/>
+              </a:spcAft>
+              <a:buClrTx/>
+              <a:buSzTx/>
+              <a:buFontTx/>
+              <a:buNone/>
+              <a:tabLst/>
+              <a:defRPr sz="6000" b="0" i="0" u="none" strike="noStrike" kern="1200" spc="0" baseline="0">
+                <a:solidFill>
+                  <a:prstClr val="black"/>
                 </a:solidFill>
                 <a:latin typeface="Times New Roman" panose="02020603050405020304" pitchFamily="18" charset="0"/>
                 <a:ea typeface="+mn-ea"/>
@@ -1422,21 +1042,107 @@
               </a:defRPr>
             </a:pPr>
             <a:r>
-              <a:rPr lang="en-US" sz="4800" b="1" i="0" kern="1200" spc="0" baseline="0" dirty="0">
-                <a:solidFill>
-                  <a:srgbClr val="203864"/>
-                </a:solidFill>
+              <a:rPr lang="en-US" sz="6000" dirty="0">
+                <a:solidFill>
+                  <a:schemeClr val="tx1"/>
+                </a:solidFill>
+                <a:latin typeface="Times New Roman" panose="02020603050405020304" pitchFamily="18" charset="0"/>
+                <a:cs typeface="Times New Roman" panose="02020603050405020304" pitchFamily="18" charset="0"/>
+              </a:rPr>
+              <a:t>Congestion Clearing</a:t>
+            </a:r>
+            <a:r>
+              <a:rPr lang="en-US" sz="6000" baseline="0" dirty="0">
+                <a:solidFill>
+                  <a:schemeClr val="tx1"/>
+                </a:solidFill>
+                <a:latin typeface="Times New Roman" panose="02020603050405020304" pitchFamily="18" charset="0"/>
+                <a:cs typeface="Times New Roman" panose="02020603050405020304" pitchFamily="18" charset="0"/>
+              </a:rPr>
+              <a:t> Time </a:t>
+            </a:r>
+          </a:p>
+          <a:p>
+            <a:pPr marL="0" marR="0" lvl="0" indent="0" algn="ctr" defTabSz="914400" rtl="0" eaLnBrk="1" fontAlgn="auto" latinLnBrk="0" hangingPunct="1">
+              <a:lnSpc>
+                <a:spcPct val="100000"/>
+              </a:lnSpc>
+              <a:spcBef>
+                <a:spcPts val="0"/>
+              </a:spcBef>
+              <a:spcAft>
+                <a:spcPts val="0"/>
+              </a:spcAft>
+              <a:buClrTx/>
+              <a:buSzTx/>
+              <a:buFontTx/>
+              <a:buNone/>
+              <a:tabLst/>
+              <a:defRPr sz="6000" b="0" i="0" u="none" strike="noStrike" kern="1200" spc="0" baseline="0">
+                <a:solidFill>
+                  <a:prstClr val="black"/>
+                </a:solidFill>
+                <a:latin typeface="Times New Roman" panose="02020603050405020304" pitchFamily="18" charset="0"/>
+                <a:ea typeface="+mn-ea"/>
+                <a:cs typeface="Times New Roman" panose="02020603050405020304" pitchFamily="18" charset="0"/>
+              </a:defRPr>
+            </a:pPr>
+            <a:r>
+              <a:rPr lang="en-US" sz="6000" baseline="0" dirty="0">
+                <a:solidFill>
+                  <a:schemeClr val="tx1"/>
+                </a:solidFill>
+                <a:latin typeface="Times New Roman" panose="02020603050405020304" pitchFamily="18" charset="0"/>
+                <a:cs typeface="Times New Roman" panose="02020603050405020304" pitchFamily="18" charset="0"/>
+              </a:rPr>
+              <a:t>vs Traffic Density</a:t>
+            </a:r>
+          </a:p>
+          <a:p>
+            <a:pPr marL="0" marR="0" lvl="0" indent="0" algn="ctr" defTabSz="914400" rtl="0" eaLnBrk="1" fontAlgn="auto" latinLnBrk="0" hangingPunct="1">
+              <a:lnSpc>
+                <a:spcPct val="100000"/>
+              </a:lnSpc>
+              <a:spcBef>
+                <a:spcPts val="0"/>
+              </a:spcBef>
+              <a:spcAft>
+                <a:spcPts val="0"/>
+              </a:spcAft>
+              <a:buClrTx/>
+              <a:buSzTx/>
+              <a:buFontTx/>
+              <a:buNone/>
+              <a:tabLst/>
+              <a:defRPr sz="6000" b="0" i="0" u="none" strike="noStrike" kern="1200" spc="0" baseline="0">
+                <a:solidFill>
+                  <a:prstClr val="black"/>
+                </a:solidFill>
+                <a:latin typeface="Times New Roman" panose="02020603050405020304" pitchFamily="18" charset="0"/>
+                <a:ea typeface="+mn-ea"/>
+                <a:cs typeface="Times New Roman" panose="02020603050405020304" pitchFamily="18" charset="0"/>
+              </a:defRPr>
+            </a:pPr>
+            <a:r>
+              <a:rPr lang="en-US" sz="3200" b="0" i="0" baseline="0" dirty="0">
                 <a:effectLst/>
-                <a:latin typeface="Arial" panose="020B0604020202020204" pitchFamily="34" charset="0"/>
               </a:rPr>
-              <a:t>Congestion Clearing Time vs. Traffic Density</a:t>
+              <a:t>(Average over ten simulations)</a:t>
             </a:r>
-            <a:endParaRPr lang="en-US" sz="5400" dirty="0">
+            <a:endParaRPr lang="en-US" sz="8800" dirty="0">
               <a:effectLst/>
             </a:endParaRPr>
           </a:p>
         </c:rich>
       </c:tx>
+      <c:layout>
+        <c:manualLayout>
+          <c:xMode val="edge"/>
+          <c:yMode val="edge"/>
+          <c:x val="0.18822205482472257"/>
+          <c:y val="8.3873028122937662E-3"/>
+        </c:manualLayout>
+      </c:layout>
       <c:overlay val="0"/>
       <c:spPr>
         <a:noFill/>
@@ -1449,10 +1155,24 @@
         <a:bodyPr rot="0" spcFirstLastPara="1" vertOverflow="ellipsis" vert="horz" wrap="square" anchor="ctr" anchorCtr="1"/>
         <a:lstStyle/>
         <a:p>
-          <a:pPr>
-            <a:defRPr sz="7000" b="0" i="0" u="none" strike="noStrike" kern="1200" spc="0" baseline="0">
+          <a:pPr marL="0" marR="0" lvl="0" indent="0" algn="ctr" defTabSz="914400" rtl="0" eaLnBrk="1" fontAlgn="auto" latinLnBrk="0" hangingPunct="1">
+            <a:lnSpc>
+              <a:spcPct val="100000"/>
+            </a:lnSpc>
+            <a:spcBef>
+              <a:spcPts val="0"/>
+            </a:spcBef>
+            <a:spcAft>
+              <a:spcPts val="0"/>
+            </a:spcAft>
+            <a:buClrTx/>
+            <a:buSzTx/>
+            <a:buFontTx/>
+            <a:buNone/>
+            <a:tabLst/>
+            <a:defRPr sz="6000" b="0" i="0" u="none" strike="noStrike" kern="1200" spc="0" baseline="0">
               <a:solidFill>
-                <a:schemeClr val="tx1"/>
+                <a:prstClr val="black"/>
               </a:solidFill>
               <a:latin typeface="Times New Roman" panose="02020603050405020304" pitchFamily="18" charset="0"/>
               <a:ea typeface="+mn-ea"/>
@@ -1470,10 +1190,10 @@
           <c:layoutTarget val="inner"/>
           <c:xMode val="edge"/>
           <c:yMode val="edge"/>
-          <c:x val="0.18317086534693711"/>
-          <c:y val="0.18812668365274166"/>
-          <c:w val="0.78869133833424843"/>
-          <c:h val="0.66427458825446961"/>
+          <c:x val="0.18270505683349256"/>
+          <c:y val="0.23456469198408486"/>
+          <c:w val="0.79364320754023665"/>
+          <c:h val="0.61306755940837865"/>
         </c:manualLayout>
       </c:layout>
       <c:barChart>
@@ -1485,9 +1205,9 @@
           <c:order val="1"/>
           <c:tx>
             <c:strRef>
-              <c:f>'[Spreadsheet with simulation information.xlsx]Sheet1'!$C$1:$C$2</c:f>
+              <c:f>Sheet1!$C$1</c:f>
               <c:strCache>
-                <c:ptCount val="2"/>
+                <c:ptCount val="1"/>
                 <c:pt idx="0">
                   <c:v>Green Corridor</c:v>
                 </c:pt>
@@ -1505,112 +1225,43 @@
           </c:spPr>
           <c:invertIfNegative val="0"/>
           <c:cat>
-            <c:numRef>
-              <c:f>'[Spreadsheet with simulation information.xlsx]Sheet1'!$A$3:$A$35</c:f>
-              <c:numCache>
-                <c:formatCode>General</c:formatCode>
-                <c:ptCount val="14"/>
+            <c:strRef>
+              <c:f>Sheet1!$A$2:$A$4</c:f>
+              <c:strCache>
+                <c:ptCount val="3"/>
                 <c:pt idx="0">
-                  <c:v>1</c:v>
+                  <c:v>Light</c:v>
                 </c:pt>
                 <c:pt idx="1">
-                  <c:v>2</c:v>
+                  <c:v>Medium</c:v>
                 </c:pt>
                 <c:pt idx="2">
-                  <c:v>3</c:v>
+                  <c:v>Heavy</c:v>
                 </c:pt>
-                <c:pt idx="3">
-                  <c:v>4</c:v>
-                </c:pt>
-                <c:pt idx="4">
-                  <c:v>5</c:v>
-                </c:pt>
-                <c:pt idx="5">
-                  <c:v>7</c:v>
-                </c:pt>
-                <c:pt idx="6">
-                  <c:v>8</c:v>
-                </c:pt>
-                <c:pt idx="7">
-                  <c:v>11</c:v>
-                </c:pt>
-                <c:pt idx="8">
-                  <c:v>12</c:v>
-                </c:pt>
-                <c:pt idx="9">
-                  <c:v>13</c:v>
-                </c:pt>
-                <c:pt idx="10">
-                  <c:v>14</c:v>
-                </c:pt>
-                <c:pt idx="11">
-                  <c:v>15</c:v>
-                </c:pt>
-                <c:pt idx="12">
-                  <c:v>18</c:v>
-                </c:pt>
-                <c:pt idx="13">
-                  <c:v>19</c:v>
-                </c:pt>
-              </c:numCache>
-              <c:extLst/>
-            </c:numRef>
+              </c:strCache>
+            </c:strRef>
           </c:cat>
           <c:val>
             <c:numRef>
-              <c:f>'[Spreadsheet with simulation information.xlsx]Sheet1'!$C$3:$C$35</c:f>
+              <c:f>Sheet1!$C$2:$C$4</c:f>
               <c:numCache>
                 <c:formatCode>General</c:formatCode>
-                <c:ptCount val="14"/>
+                <c:ptCount val="3"/>
                 <c:pt idx="0">
-                  <c:v>3980</c:v>
+                  <c:v>183</c:v>
                 </c:pt>
                 <c:pt idx="1">
-                  <c:v>2030</c:v>
+                  <c:v>339</c:v>
                 </c:pt>
                 <c:pt idx="2">
-                  <c:v>1364</c:v>
-                </c:pt>
-                <c:pt idx="3">
-                  <c:v>1060</c:v>
-                </c:pt>
-                <c:pt idx="4">
-                  <c:v>833</c:v>
-                </c:pt>
-                <c:pt idx="5">
-                  <c:v>626</c:v>
-                </c:pt>
-                <c:pt idx="6">
-                  <c:v>551</c:v>
-                </c:pt>
-                <c:pt idx="7">
-                  <c:v>395</c:v>
-                </c:pt>
-                <c:pt idx="8">
-                  <c:v>386</c:v>
-                </c:pt>
-                <c:pt idx="9">
-                  <c:v>374</c:v>
-                </c:pt>
-                <c:pt idx="10">
-                  <c:v>374</c:v>
-                </c:pt>
-                <c:pt idx="11">
-                  <c:v>339</c:v>
-                </c:pt>
-                <c:pt idx="12">
-                  <c:v>294</c:v>
-                </c:pt>
-                <c:pt idx="13">
-                  <c:v>281</c:v>
+                  <c:v>636</c:v>
                 </c:pt>
               </c:numCache>
-              <c:extLst/>
             </c:numRef>
           </c:val>
           <c:extLst>
             <c:ext xmlns:c16="http://schemas.microsoft.com/office/drawing/2014/chart" uri="{C3380CC4-5D6E-409C-BE32-E72D297353CC}">
-              <c16:uniqueId val="{00000000-AD1F-489F-AD84-856B12BAF68F}"/>
+              <c16:uniqueId val="{00000000-3FE4-4E1C-93C9-D16C5346650C}"/>
             </c:ext>
           </c:extLst>
         </c:ser>
@@ -1619,9 +1270,9 @@
           <c:order val="3"/>
           <c:tx>
             <c:strRef>
-              <c:f>'[Spreadsheet with simulation information.xlsx]Sheet1'!$E$1:$E$2</c:f>
+              <c:f>Sheet1!$E$1</c:f>
               <c:strCache>
-                <c:ptCount val="2"/>
+                <c:ptCount val="1"/>
                 <c:pt idx="0">
                   <c:v>Red Freeze</c:v>
                 </c:pt>
@@ -1639,112 +1290,43 @@
           </c:spPr>
           <c:invertIfNegative val="0"/>
           <c:cat>
-            <c:numRef>
-              <c:f>'[Spreadsheet with simulation information.xlsx]Sheet1'!$A$3:$A$35</c:f>
-              <c:numCache>
-                <c:formatCode>General</c:formatCode>
-                <c:ptCount val="14"/>
+            <c:strRef>
+              <c:f>Sheet1!$A$2:$A$4</c:f>
+              <c:strCache>
+                <c:ptCount val="3"/>
                 <c:pt idx="0">
-                  <c:v>1</c:v>
+                  <c:v>Light</c:v>
                 </c:pt>
                 <c:pt idx="1">
-                  <c:v>2</c:v>
+                  <c:v>Medium</c:v>
                 </c:pt>
                 <c:pt idx="2">
-                  <c:v>3</c:v>
+                  <c:v>Heavy</c:v>
                 </c:pt>
-                <c:pt idx="3">
-                  <c:v>4</c:v>
-                </c:pt>
-                <c:pt idx="4">
-                  <c:v>5</c:v>
-                </c:pt>
-                <c:pt idx="5">
-                  <c:v>7</c:v>
-                </c:pt>
-                <c:pt idx="6">
-                  <c:v>8</c:v>
-                </c:pt>
-                <c:pt idx="7">
-                  <c:v>11</c:v>
-                </c:pt>
-                <c:pt idx="8">
-                  <c:v>12</c:v>
-                </c:pt>
-                <c:pt idx="9">
-                  <c:v>13</c:v>
-                </c:pt>
-                <c:pt idx="10">
-                  <c:v>14</c:v>
-                </c:pt>
-                <c:pt idx="11">
-                  <c:v>15</c:v>
-                </c:pt>
-                <c:pt idx="12">
-                  <c:v>18</c:v>
-                </c:pt>
-                <c:pt idx="13">
-                  <c:v>19</c:v>
-                </c:pt>
-              </c:numCache>
-              <c:extLst/>
-            </c:numRef>
+              </c:strCache>
+            </c:strRef>
           </c:cat>
           <c:val>
             <c:numRef>
-              <c:f>'[Spreadsheet with simulation information.xlsx]Sheet1'!$E$3:$E$35</c:f>
+              <c:f>Sheet1!$E$2:$E$4</c:f>
               <c:numCache>
                 <c:formatCode>General</c:formatCode>
-                <c:ptCount val="14"/>
+                <c:ptCount val="3"/>
                 <c:pt idx="0">
-                  <c:v>4072</c:v>
+                  <c:v>221</c:v>
                 </c:pt>
                 <c:pt idx="1">
-                  <c:v>2117</c:v>
+                  <c:v>364</c:v>
                 </c:pt>
                 <c:pt idx="2">
-                  <c:v>1371</c:v>
-                </c:pt>
-                <c:pt idx="3">
-                  <c:v>1105</c:v>
-                </c:pt>
-                <c:pt idx="4">
-                  <c:v>929</c:v>
-                </c:pt>
-                <c:pt idx="5">
-                  <c:v>647</c:v>
-                </c:pt>
-                <c:pt idx="6">
-                  <c:v>587</c:v>
-                </c:pt>
-                <c:pt idx="7">
-                  <c:v>445</c:v>
-                </c:pt>
-                <c:pt idx="8">
-                  <c:v>402</c:v>
-                </c:pt>
-                <c:pt idx="9">
-                  <c:v>401</c:v>
-                </c:pt>
-                <c:pt idx="10">
-                  <c:v>385</c:v>
-                </c:pt>
-                <c:pt idx="11">
-                  <c:v>348</c:v>
-                </c:pt>
-                <c:pt idx="12">
-                  <c:v>294</c:v>
-                </c:pt>
-                <c:pt idx="13">
-                  <c:v>295</c:v>
+                  <c:v>699</c:v>
                 </c:pt>
               </c:numCache>
-              <c:extLst/>
             </c:numRef>
           </c:val>
           <c:extLst>
             <c:ext xmlns:c16="http://schemas.microsoft.com/office/drawing/2014/chart" uri="{C3380CC4-5D6E-409C-BE32-E72D297353CC}">
-              <c16:uniqueId val="{00000001-AD1F-489F-AD84-856B12BAF68F}"/>
+              <c16:uniqueId val="{00000001-3FE4-4E1C-93C9-D16C5346650C}"/>
             </c:ext>
           </c:extLst>
         </c:ser>
@@ -1753,9 +1335,9 @@
           <c:order val="5"/>
           <c:tx>
             <c:strRef>
-              <c:f>'[Spreadsheet with simulation information.xlsx]Sheet1'!$G$1:$G$2</c:f>
+              <c:f>Sheet1!$G$1</c:f>
               <c:strCache>
-                <c:ptCount val="2"/>
+                <c:ptCount val="1"/>
                 <c:pt idx="0">
                   <c:v>Control</c:v>
                 </c:pt>
@@ -1773,112 +1355,43 @@
           </c:spPr>
           <c:invertIfNegative val="0"/>
           <c:cat>
-            <c:numRef>
-              <c:f>'[Spreadsheet with simulation information.xlsx]Sheet1'!$A$3:$A$35</c:f>
-              <c:numCache>
-                <c:formatCode>General</c:formatCode>
-                <c:ptCount val="14"/>
+            <c:strRef>
+              <c:f>Sheet1!$A$2:$A$4</c:f>
+              <c:strCache>
+                <c:ptCount val="3"/>
                 <c:pt idx="0">
-                  <c:v>1</c:v>
+                  <c:v>Light</c:v>
                 </c:pt>
                 <c:pt idx="1">
-                  <c:v>2</c:v>
+                  <c:v>Medium</c:v>
                 </c:pt>
                 <c:pt idx="2">
-                  <c:v>3</c:v>
+                  <c:v>Heavy</c:v>
                 </c:pt>
-                <c:pt idx="3">
-                  <c:v>4</c:v>
-                </c:pt>
-                <c:pt idx="4">
-                  <c:v>5</c:v>
-                </c:pt>
-                <c:pt idx="5">
-                  <c:v>7</c:v>
-                </c:pt>
-                <c:pt idx="6">
-                  <c:v>8</c:v>
-                </c:pt>
-                <c:pt idx="7">
-                  <c:v>11</c:v>
-                </c:pt>
-                <c:pt idx="8">
-                  <c:v>12</c:v>
-                </c:pt>
-                <c:pt idx="9">
-                  <c:v>13</c:v>
-                </c:pt>
-                <c:pt idx="10">
-                  <c:v>14</c:v>
-                </c:pt>
-                <c:pt idx="11">
-                  <c:v>15</c:v>
-                </c:pt>
-                <c:pt idx="12">
-                  <c:v>18</c:v>
-                </c:pt>
-                <c:pt idx="13">
-                  <c:v>19</c:v>
-                </c:pt>
-              </c:numCache>
-              <c:extLst/>
-            </c:numRef>
+              </c:strCache>
+            </c:strRef>
           </c:cat>
           <c:val>
             <c:numRef>
-              <c:f>'[Spreadsheet with simulation information.xlsx]Sheet1'!$G$3:$G$35</c:f>
+              <c:f>Sheet1!$G$2:$G$4</c:f>
               <c:numCache>
                 <c:formatCode>General</c:formatCode>
-                <c:ptCount val="14"/>
+                <c:ptCount val="3"/>
                 <c:pt idx="0">
-                  <c:v>4096</c:v>
+                  <c:v>203</c:v>
                 </c:pt>
                 <c:pt idx="1">
-                  <c:v>2056</c:v>
+                  <c:v>375</c:v>
                 </c:pt>
                 <c:pt idx="2">
-                  <c:v>1378</c:v>
-                </c:pt>
-                <c:pt idx="3">
-                  <c:v>1031</c:v>
-                </c:pt>
-                <c:pt idx="4">
-                  <c:v>865</c:v>
-                </c:pt>
-                <c:pt idx="5">
-                  <c:v>657</c:v>
-                </c:pt>
-                <c:pt idx="6">
-                  <c:v>604</c:v>
-                </c:pt>
-                <c:pt idx="7">
-                  <c:v>507</c:v>
-                </c:pt>
-                <c:pt idx="8">
-                  <c:v>406</c:v>
-                </c:pt>
-                <c:pt idx="9">
-                  <c:v>380</c:v>
-                </c:pt>
-                <c:pt idx="10">
-                  <c:v>385</c:v>
-                </c:pt>
-                <c:pt idx="11">
-                  <c:v>318</c:v>
-                </c:pt>
-                <c:pt idx="12">
-                  <c:v>292</c:v>
-                </c:pt>
-                <c:pt idx="13">
-                  <c:v>301</c:v>
+                  <c:v>706</c:v>
                 </c:pt>
               </c:numCache>
-              <c:extLst/>
             </c:numRef>
           </c:val>
           <c:extLst>
             <c:ext xmlns:c16="http://schemas.microsoft.com/office/drawing/2014/chart" uri="{C3380CC4-5D6E-409C-BE32-E72D297353CC}">
-              <c16:uniqueId val="{00000002-AD1F-489F-AD84-856B12BAF68F}"/>
+              <c16:uniqueId val="{00000002-3FE4-4E1C-93C9-D16C5346650C}"/>
             </c:ext>
           </c:extLst>
         </c:ser>
@@ -1905,12 +1418,12 @@
                     <c:extLst>
                       <c:ext uri="{02D57815-91ED-43cb-92C2-25804820EDAC}">
                         <c15:formulaRef>
-                          <c15:sqref>'[Spreadsheet with simulation information.xlsx]Sheet1'!$B$1:$B$2</c15:sqref>
+                          <c15:sqref>Sheet1!$B$1</c15:sqref>
                         </c15:formulaRef>
                       </c:ext>
                     </c:extLst>
                     <c:strCache>
-                      <c:ptCount val="2"/>
+                      <c:ptCount val="1"/>
                       <c:pt idx="0">
                         <c:v>Green Corridor</c:v>
                       </c:pt>
@@ -1928,122 +1441,55 @@
                 </c:spPr>
                 <c:invertIfNegative val="0"/>
                 <c:cat>
-                  <c:numRef>
+                  <c:strRef>
                     <c:extLst>
                       <c:ext uri="{02D57815-91ED-43cb-92C2-25804820EDAC}">
                         <c15:formulaRef>
-                          <c15:sqref>'[Spreadsheet with simulation information.xlsx]Sheet1'!$A$3:$A$35</c15:sqref>
+                          <c15:sqref>Sheet1!$A$2:$A$4</c15:sqref>
                         </c15:formulaRef>
                       </c:ext>
                     </c:extLst>
-                    <c:numCache>
-                      <c:formatCode>General</c:formatCode>
-                      <c:ptCount val="14"/>
+                    <c:strCache>
+                      <c:ptCount val="3"/>
                       <c:pt idx="0">
-                        <c:v>1</c:v>
+                        <c:v>Light</c:v>
                       </c:pt>
                       <c:pt idx="1">
-                        <c:v>2</c:v>
+                        <c:v>Medium</c:v>
                       </c:pt>
                       <c:pt idx="2">
-                        <c:v>3</c:v>
+                        <c:v>Heavy</c:v>
                       </c:pt>
-                      <c:pt idx="3">
-                        <c:v>4</c:v>
-                      </c:pt>
-                      <c:pt idx="4">
-                        <c:v>5</c:v>
-                      </c:pt>
-                      <c:pt idx="5">
-                        <c:v>7</c:v>
-                      </c:pt>
-                      <c:pt idx="6">
-                        <c:v>8</c:v>
-                      </c:pt>
-                      <c:pt idx="7">
-                        <c:v>11</c:v>
-                      </c:pt>
-                      <c:pt idx="8">
-                        <c:v>12</c:v>
-                      </c:pt>
-                      <c:pt idx="9">
-                        <c:v>13</c:v>
-                      </c:pt>
-                      <c:pt idx="10">
-                        <c:v>14</c:v>
-                      </c:pt>
-                      <c:pt idx="11">
-                        <c:v>15</c:v>
-                      </c:pt>
-                      <c:pt idx="12">
-                        <c:v>18</c:v>
-                      </c:pt>
-                      <c:pt idx="13">
-                        <c:v>19</c:v>
-                      </c:pt>
-                    </c:numCache>
-                  </c:numRef>
+                    </c:strCache>
+                  </c:strRef>
                 </c:cat>
                 <c:val>
                   <c:numRef>
                     <c:extLst>
                       <c:ext uri="{02D57815-91ED-43cb-92C2-25804820EDAC}">
                         <c15:formulaRef>
-                          <c15:sqref>'[Spreadsheet with simulation information.xlsx]Sheet1'!$B$3:$B$35</c15:sqref>
+                          <c15:sqref>Sheet1!$B$2:$B$4</c15:sqref>
                         </c15:formulaRef>
                       </c:ext>
                     </c:extLst>
                     <c:numCache>
                       <c:formatCode>General</c:formatCode>
-                      <c:ptCount val="14"/>
+                      <c:ptCount val="3"/>
                       <c:pt idx="0">
-                        <c:v>51</c:v>
+                        <c:v>30</c:v>
                       </c:pt>
                       <c:pt idx="1">
-                        <c:v>76</c:v>
+                        <c:v>43</c:v>
                       </c:pt>
                       <c:pt idx="2">
-                        <c:v>51</c:v>
-                      </c:pt>
-                      <c:pt idx="3">
-                        <c:v>69</c:v>
-                      </c:pt>
-                      <c:pt idx="4">
-                        <c:v>56</c:v>
-                      </c:pt>
-                      <c:pt idx="5">
-                        <c:v>62</c:v>
-                      </c:pt>
-                      <c:pt idx="6">
-                        <c:v>70</c:v>
-                      </c:pt>
-                      <c:pt idx="7">
-                        <c:v>67</c:v>
-                      </c:pt>
-                      <c:pt idx="8">
-                        <c:v>69</c:v>
-                      </c:pt>
-                      <c:pt idx="9">
-                        <c:v>71</c:v>
-                      </c:pt>
-                      <c:pt idx="10">
-                        <c:v>49</c:v>
-                      </c:pt>
-                      <c:pt idx="11">
-                        <c:v>51</c:v>
-                      </c:pt>
-                      <c:pt idx="12">
-                        <c:v>60</c:v>
-                      </c:pt>
-                      <c:pt idx="13">
-                        <c:v>50</c:v>
+                        <c:v>48</c:v>
                       </c:pt>
                     </c:numCache>
                   </c:numRef>
                 </c:val>
                 <c:extLst>
                   <c:ext xmlns:c16="http://schemas.microsoft.com/office/drawing/2014/chart" uri="{C3380CC4-5D6E-409C-BE32-E72D297353CC}">
-                    <c16:uniqueId val="{00000003-AD1F-489F-AD84-856B12BAF68F}"/>
+                    <c16:uniqueId val="{00000003-3FE4-4E1C-93C9-D16C5346650C}"/>
                   </c:ext>
                 </c:extLst>
               </c15:ser>
@@ -2057,12 +1503,12 @@
                     <c:extLst xmlns:c15="http://schemas.microsoft.com/office/drawing/2012/chart">
                       <c:ext xmlns:c15="http://schemas.microsoft.com/office/drawing/2012/chart" uri="{02D57815-91ED-43cb-92C2-25804820EDAC}">
                         <c15:formulaRef>
-                          <c15:sqref>'[Spreadsheet with simulation information.xlsx]Sheet1'!$D$1:$D$2</c15:sqref>
+                          <c15:sqref>Sheet1!$D$1</c15:sqref>
                         </c15:formulaRef>
                       </c:ext>
                     </c:extLst>
                     <c:strCache>
-                      <c:ptCount val="2"/>
+                      <c:ptCount val="1"/>
                       <c:pt idx="0">
                         <c:v>Red Freeze</c:v>
                       </c:pt>
@@ -2080,122 +1526,55 @@
                 </c:spPr>
                 <c:invertIfNegative val="0"/>
                 <c:cat>
-                  <c:numRef>
+                  <c:strRef>
                     <c:extLst xmlns:c15="http://schemas.microsoft.com/office/drawing/2012/chart">
                       <c:ext xmlns:c15="http://schemas.microsoft.com/office/drawing/2012/chart" uri="{02D57815-91ED-43cb-92C2-25804820EDAC}">
                         <c15:formulaRef>
-                          <c15:sqref>'[Spreadsheet with simulation information.xlsx]Sheet1'!$A$3:$A$35</c15:sqref>
+                          <c15:sqref>Sheet1!$A$2:$A$4</c15:sqref>
                         </c15:formulaRef>
                       </c:ext>
                     </c:extLst>
-                    <c:numCache>
-                      <c:formatCode>General</c:formatCode>
-                      <c:ptCount val="14"/>
+                    <c:strCache>
+                      <c:ptCount val="3"/>
                       <c:pt idx="0">
-                        <c:v>1</c:v>
+                        <c:v>Light</c:v>
                       </c:pt>
                       <c:pt idx="1">
-                        <c:v>2</c:v>
+                        <c:v>Medium</c:v>
                       </c:pt>
                       <c:pt idx="2">
-                        <c:v>3</c:v>
+                        <c:v>Heavy</c:v>
                       </c:pt>
-                      <c:pt idx="3">
-                        <c:v>4</c:v>
-                      </c:pt>
-                      <c:pt idx="4">
-                        <c:v>5</c:v>
-                      </c:pt>
-                      <c:pt idx="5">
-                        <c:v>7</c:v>
-                      </c:pt>
-                      <c:pt idx="6">
-                        <c:v>8</c:v>
-                      </c:pt>
-                      <c:pt idx="7">
-                        <c:v>11</c:v>
-                      </c:pt>
-                      <c:pt idx="8">
-                        <c:v>12</c:v>
-                      </c:pt>
-                      <c:pt idx="9">
-                        <c:v>13</c:v>
-                      </c:pt>
-                      <c:pt idx="10">
-                        <c:v>14</c:v>
-                      </c:pt>
-                      <c:pt idx="11">
-                        <c:v>15</c:v>
-                      </c:pt>
-                      <c:pt idx="12">
-                        <c:v>18</c:v>
-                      </c:pt>
-                      <c:pt idx="13">
-                        <c:v>19</c:v>
-                      </c:pt>
-                    </c:numCache>
-                  </c:numRef>
+                    </c:strCache>
+                  </c:strRef>
                 </c:cat>
                 <c:val>
                   <c:numRef>
                     <c:extLst xmlns:c15="http://schemas.microsoft.com/office/drawing/2012/chart">
                       <c:ext xmlns:c15="http://schemas.microsoft.com/office/drawing/2012/chart" uri="{02D57815-91ED-43cb-92C2-25804820EDAC}">
                         <c15:formulaRef>
-                          <c15:sqref>'[Spreadsheet with simulation information.xlsx]Sheet1'!$D$3:$D$35</c15:sqref>
+                          <c15:sqref>Sheet1!$D$2:$D$4</c15:sqref>
                         </c15:formulaRef>
                       </c:ext>
                     </c:extLst>
                     <c:numCache>
                       <c:formatCode>General</c:formatCode>
-                      <c:ptCount val="14"/>
+                      <c:ptCount val="3"/>
                       <c:pt idx="0">
-                        <c:v>54</c:v>
+                        <c:v>41</c:v>
                       </c:pt>
                       <c:pt idx="1">
-                        <c:v>73</c:v>
+                        <c:v>62</c:v>
                       </c:pt>
                       <c:pt idx="2">
-                        <c:v>62</c:v>
-                      </c:pt>
-                      <c:pt idx="3">
-                        <c:v>69</c:v>
-                      </c:pt>
-                      <c:pt idx="4">
-                        <c:v>63</c:v>
-                      </c:pt>
-                      <c:pt idx="5">
-                        <c:v>62</c:v>
-                      </c:pt>
-                      <c:pt idx="6">
-                        <c:v>67</c:v>
-                      </c:pt>
-                      <c:pt idx="7">
-                        <c:v>57</c:v>
-                      </c:pt>
-                      <c:pt idx="8">
-                        <c:v>64</c:v>
-                      </c:pt>
-                      <c:pt idx="9">
-                        <c:v>62</c:v>
-                      </c:pt>
-                      <c:pt idx="10">
-                        <c:v>54</c:v>
-                      </c:pt>
-                      <c:pt idx="11">
-                        <c:v>58</c:v>
-                      </c:pt>
-                      <c:pt idx="12">
-                        <c:v>57</c:v>
-                      </c:pt>
-                      <c:pt idx="13">
-                        <c:v>45</c:v>
+                        <c:v>66</c:v>
                       </c:pt>
                     </c:numCache>
                   </c:numRef>
                 </c:val>
                 <c:extLst xmlns:c15="http://schemas.microsoft.com/office/drawing/2012/chart">
                   <c:ext xmlns:c16="http://schemas.microsoft.com/office/drawing/2014/chart" uri="{C3380CC4-5D6E-409C-BE32-E72D297353CC}">
-                    <c16:uniqueId val="{00000004-AD1F-489F-AD84-856B12BAF68F}"/>
+                    <c16:uniqueId val="{00000004-3FE4-4E1C-93C9-D16C5346650C}"/>
                   </c:ext>
                 </c:extLst>
               </c15:ser>
@@ -2209,12 +1588,12 @@
                     <c:extLst xmlns:c15="http://schemas.microsoft.com/office/drawing/2012/chart">
                       <c:ext xmlns:c15="http://schemas.microsoft.com/office/drawing/2012/chart" uri="{02D57815-91ED-43cb-92C2-25804820EDAC}">
                         <c15:formulaRef>
-                          <c15:sqref>'[Spreadsheet with simulation information.xlsx]Sheet1'!$F$1:$F$2</c15:sqref>
+                          <c15:sqref>Sheet1!$F$1</c15:sqref>
                         </c15:formulaRef>
                       </c:ext>
                     </c:extLst>
                     <c:strCache>
-                      <c:ptCount val="2"/>
+                      <c:ptCount val="1"/>
                       <c:pt idx="0">
                         <c:v>Control</c:v>
                       </c:pt>
@@ -2232,122 +1611,55 @@
                 </c:spPr>
                 <c:invertIfNegative val="0"/>
                 <c:cat>
-                  <c:numRef>
+                  <c:strRef>
                     <c:extLst xmlns:c15="http://schemas.microsoft.com/office/drawing/2012/chart">
                       <c:ext xmlns:c15="http://schemas.microsoft.com/office/drawing/2012/chart" uri="{02D57815-91ED-43cb-92C2-25804820EDAC}">
                         <c15:formulaRef>
-                          <c15:sqref>'[Spreadsheet with simulation information.xlsx]Sheet1'!$A$3:$A$35</c15:sqref>
+                          <c15:sqref>Sheet1!$A$2:$A$4</c15:sqref>
                         </c15:formulaRef>
                       </c:ext>
                     </c:extLst>
-                    <c:numCache>
-                      <c:formatCode>General</c:formatCode>
-                      <c:ptCount val="14"/>
+                    <c:strCache>
+                      <c:ptCount val="3"/>
                       <c:pt idx="0">
-                        <c:v>1</c:v>
+                        <c:v>Light</c:v>
                       </c:pt>
                       <c:pt idx="1">
-                        <c:v>2</c:v>
+                        <c:v>Medium</c:v>
                       </c:pt>
                       <c:pt idx="2">
-                        <c:v>3</c:v>
+                        <c:v>Heavy</c:v>
                       </c:pt>
-                      <c:pt idx="3">
-                        <c:v>4</c:v>
-                      </c:pt>
-                      <c:pt idx="4">
-                        <c:v>5</c:v>
-                      </c:pt>
-                      <c:pt idx="5">
-                        <c:v>7</c:v>
-                      </c:pt>
-                      <c:pt idx="6">
-                        <c:v>8</c:v>
-                      </c:pt>
-                      <c:pt idx="7">
-                        <c:v>11</c:v>
-                      </c:pt>
-                      <c:pt idx="8">
-                        <c:v>12</c:v>
-                      </c:pt>
-                      <c:pt idx="9">
-                        <c:v>13</c:v>
-                      </c:pt>
-                      <c:pt idx="10">
-                        <c:v>14</c:v>
-                      </c:pt>
-                      <c:pt idx="11">
-                        <c:v>15</c:v>
-                      </c:pt>
-                      <c:pt idx="12">
-                        <c:v>18</c:v>
-                      </c:pt>
-                      <c:pt idx="13">
-                        <c:v>19</c:v>
-                      </c:pt>
-                    </c:numCache>
-                  </c:numRef>
+                    </c:strCache>
+                  </c:strRef>
                 </c:cat>
                 <c:val>
                   <c:numRef>
                     <c:extLst xmlns:c15="http://schemas.microsoft.com/office/drawing/2012/chart">
                       <c:ext xmlns:c15="http://schemas.microsoft.com/office/drawing/2012/chart" uri="{02D57815-91ED-43cb-92C2-25804820EDAC}">
                         <c15:formulaRef>
-                          <c15:sqref>'[Spreadsheet with simulation information.xlsx]Sheet1'!$F$3:$F$35</c15:sqref>
+                          <c15:sqref>Sheet1!$F$2:$F$4</c15:sqref>
                         </c15:formulaRef>
                       </c:ext>
                     </c:extLst>
                     <c:numCache>
                       <c:formatCode>General</c:formatCode>
-                      <c:ptCount val="14"/>
+                      <c:ptCount val="3"/>
                       <c:pt idx="0">
-                        <c:v>84</c:v>
+                        <c:v>46</c:v>
                       </c:pt>
                       <c:pt idx="1">
-                        <c:v>109</c:v>
+                        <c:v>79</c:v>
                       </c:pt>
                       <c:pt idx="2">
-                        <c:v>72</c:v>
-                      </c:pt>
-                      <c:pt idx="3">
-                        <c:v>130</c:v>
-                      </c:pt>
-                      <c:pt idx="4">
-                        <c:v>174</c:v>
-                      </c:pt>
-                      <c:pt idx="5">
-                        <c:v>94</c:v>
-                      </c:pt>
-                      <c:pt idx="6">
-                        <c:v>83</c:v>
-                      </c:pt>
-                      <c:pt idx="7">
-                        <c:v>80</c:v>
-                      </c:pt>
-                      <c:pt idx="8">
-                        <c:v>70</c:v>
-                      </c:pt>
-                      <c:pt idx="9">
-                        <c:v>77</c:v>
-                      </c:pt>
-                      <c:pt idx="10">
-                        <c:v>95</c:v>
-                      </c:pt>
-                      <c:pt idx="11">
-                        <c:v>88</c:v>
-                      </c:pt>
-                      <c:pt idx="12">
-                        <c:v>74</c:v>
-                      </c:pt>
-                      <c:pt idx="13">
-                        <c:v>60</c:v>
+                        <c:v>91</c:v>
                       </c:pt>
                     </c:numCache>
                   </c:numRef>
                 </c:val>
                 <c:extLst xmlns:c15="http://schemas.microsoft.com/office/drawing/2012/chart">
                   <c:ext xmlns:c16="http://schemas.microsoft.com/office/drawing/2014/chart" uri="{C3380CC4-5D6E-409C-BE32-E72D297353CC}">
-                    <c16:uniqueId val="{00000005-AD1F-489F-AD84-856B12BAF68F}"/>
+                    <c16:uniqueId val="{00000005-3FE4-4E1C-93C9-D16C5346650C}"/>
                   </c:ext>
                 </c:extLst>
               </c15:ser>
@@ -2379,18 +1691,26 @@
                   </a:defRPr>
                 </a:pPr>
                 <a:r>
-                  <a:rPr lang="en-US" sz="5000">
+                  <a:rPr lang="en-US" sz="5000" dirty="0">
                     <a:solidFill>
                       <a:schemeClr val="tx1"/>
                     </a:solidFill>
                     <a:latin typeface="Times New Roman" panose="02020603050405020304" pitchFamily="18" charset="0"/>
                     <a:cs typeface="Times New Roman" panose="02020603050405020304" pitchFamily="18" charset="0"/>
                   </a:rPr>
-                  <a:t>Traffic Congestion (High [1] - Low[19])</a:t>
+                  <a:t>Traffic Congestion</a:t>
                 </a:r>
               </a:p>
             </c:rich>
           </c:tx>
+          <c:layout>
+            <c:manualLayout>
+              <c:xMode val="edge"/>
+              <c:yMode val="edge"/>
+              <c:x val="0.37463950846378091"/>
+              <c:y val="0.91066429038669938"/>
+            </c:manualLayout>
+          </c:layout>
           <c:overlay val="0"/>
           <c:spPr>
             <a:noFill/>
@@ -2496,7 +1816,7 @@
                   </a:defRPr>
                 </a:pPr>
                 <a:r>
-                  <a:rPr lang="en-US" sz="5000" dirty="0">
+                  <a:rPr lang="en-US" sz="5000">
                     <a:solidFill>
                       <a:schemeClr val="tx1"/>
                     </a:solidFill>
@@ -2512,8 +1832,8 @@
             <c:manualLayout>
               <c:xMode val="edge"/>
               <c:yMode val="edge"/>
-              <c:x val="5.1242401927710111E-4"/>
-              <c:y val="0.32841337661265135"/>
+              <c:x val="8.8380408349284911E-3"/>
+              <c:y val="0.30132774747111901"/>
             </c:manualLayout>
           </c:layout>
           <c:overlay val="0"/>
@@ -3778,7 +3098,7 @@
             <a:fld id="{0158C5BC-9A70-462C-B28D-9600239EAC64}" type="datetimeFigureOut">
               <a:rPr lang="en-US" smtClean="0"/>
               <a:pPr/>
-              <a:t>12/5/2022</a:t>
+              <a:t>12/6/2022</a:t>
             </a:fld>
             <a:endParaRPr lang="en-US"/>
           </a:p>
@@ -3945,7 +3265,7 @@
             <a:fld id="{E6CC2317-6751-4CD4-9995-8782DD78E936}" type="datetimeFigureOut">
               <a:rPr lang="en-US" smtClean="0"/>
               <a:pPr/>
-              <a:t>12/5/2022</a:t>
+              <a:t>12/6/2022</a:t>
             </a:fld>
             <a:endParaRPr lang="en-US" dirty="0"/>
           </a:p>
@@ -10659,6 +9979,186 @@
       </p:grpSpPr>
       <p:sp>
         <p:nvSpPr>
+          <p:cNvPr id="49" name="Text Placeholder 13">
+            <a:extLst>
+              <a:ext uri="{FF2B5EF4-FFF2-40B4-BE49-F238E27FC236}">
+                <a16:creationId xmlns:a16="http://schemas.microsoft.com/office/drawing/2014/main" id="{6D194598-4192-2FD7-7328-AC122BD08451}"/>
+              </a:ext>
+            </a:extLst>
+          </p:cNvPr>
+          <p:cNvSpPr txBox="1">
+            <a:spLocks/>
+          </p:cNvSpPr>
+          <p:nvPr/>
+        </p:nvSpPr>
+        <p:spPr>
+          <a:xfrm>
+            <a:off x="36477431" y="6628573"/>
+            <a:ext cx="6675020" cy="8433078"/>
+          </a:xfrm>
+          <a:prstGeom prst="rect">
+            <a:avLst/>
+          </a:prstGeom>
+        </p:spPr>
+        <p:txBody>
+          <a:bodyPr wrap="square" lIns="365760" tIns="365760" rIns="365760" bIns="365760">
+            <a:spAutoFit/>
+          </a:bodyPr>
+          <a:lstStyle>
+            <a:lvl1pPr marL="0" indent="0" algn="l" defTabSz="7802411" rtl="0" eaLnBrk="1" latinLnBrk="0" hangingPunct="1">
+              <a:spcBef>
+                <a:spcPct val="20000"/>
+              </a:spcBef>
+              <a:buFont typeface="Arial" pitchFamily="34" charset="0"/>
+              <a:buNone/>
+              <a:tabLst/>
+              <a:defRPr lang="en-US" sz="3200" kern="1200" dirty="0">
+                <a:solidFill>
+                  <a:schemeClr val="tx1"/>
+                </a:solidFill>
+                <a:latin typeface="+mn-lt"/>
+                <a:ea typeface="+mn-ea"/>
+                <a:cs typeface="+mn-cs"/>
+              </a:defRPr>
+            </a:lvl1pPr>
+            <a:lvl2pPr marL="461963" indent="-231775" algn="l" defTabSz="7802411" rtl="0" eaLnBrk="1" latinLnBrk="0" hangingPunct="1">
+              <a:spcBef>
+                <a:spcPct val="20000"/>
+              </a:spcBef>
+              <a:buFont typeface="Arial" pitchFamily="34" charset="0"/>
+              <a:buChar char="–"/>
+              <a:tabLst/>
+              <a:defRPr lang="en-US" sz="2400" kern="1200" dirty="0">
+                <a:solidFill>
+                  <a:schemeClr val="tx1"/>
+                </a:solidFill>
+                <a:latin typeface="+mn-lt"/>
+                <a:ea typeface="+mn-ea"/>
+                <a:cs typeface="+mn-cs"/>
+              </a:defRPr>
+            </a:lvl2pPr>
+            <a:lvl3pPr marL="461963" indent="-231775" algn="l" defTabSz="7802411" rtl="0" eaLnBrk="1" latinLnBrk="0" hangingPunct="1">
+              <a:spcBef>
+                <a:spcPct val="20000"/>
+              </a:spcBef>
+              <a:buFont typeface="Arial" pitchFamily="34" charset="0"/>
+              <a:buChar char="•"/>
+              <a:tabLst/>
+              <a:defRPr lang="en-US" sz="1800" kern="1200" dirty="0">
+                <a:solidFill>
+                  <a:schemeClr val="tx1"/>
+                </a:solidFill>
+                <a:latin typeface="+mn-lt"/>
+                <a:ea typeface="+mn-ea"/>
+                <a:cs typeface="+mn-cs"/>
+              </a:defRPr>
+            </a:lvl3pPr>
+            <a:lvl4pPr marL="461963" indent="-231775" algn="l" defTabSz="7802411" rtl="0" eaLnBrk="1" latinLnBrk="0" hangingPunct="1">
+              <a:spcBef>
+                <a:spcPct val="20000"/>
+              </a:spcBef>
+              <a:buFont typeface="Arial" pitchFamily="34" charset="0"/>
+              <a:buChar char="–"/>
+              <a:tabLst/>
+              <a:defRPr lang="en-US" sz="1200" kern="1200" dirty="0">
+                <a:solidFill>
+                  <a:schemeClr val="tx1"/>
+                </a:solidFill>
+                <a:latin typeface="+mn-lt"/>
+                <a:ea typeface="+mn-ea"/>
+                <a:cs typeface="+mn-cs"/>
+              </a:defRPr>
+            </a:lvl4pPr>
+            <a:lvl5pPr marL="461963" indent="-231775" algn="l" defTabSz="7802411" rtl="0" eaLnBrk="1" latinLnBrk="0" hangingPunct="1">
+              <a:spcBef>
+                <a:spcPct val="20000"/>
+              </a:spcBef>
+              <a:buFont typeface="Arial" pitchFamily="34" charset="0"/>
+              <a:buChar char="»"/>
+              <a:tabLst/>
+              <a:defRPr lang="en-US" sz="1200" kern="1200" dirty="0">
+                <a:solidFill>
+                  <a:schemeClr val="tx1"/>
+                </a:solidFill>
+                <a:latin typeface="+mn-lt"/>
+                <a:ea typeface="+mn-ea"/>
+                <a:cs typeface="+mn-cs"/>
+              </a:defRPr>
+            </a:lvl5pPr>
+            <a:lvl6pPr marL="21456635" indent="-1950605" algn="l" defTabSz="7802411" rtl="0" eaLnBrk="1" latinLnBrk="0" hangingPunct="1">
+              <a:spcBef>
+                <a:spcPct val="20000"/>
+              </a:spcBef>
+              <a:buFont typeface="Arial" pitchFamily="34" charset="0"/>
+              <a:buChar char="•"/>
+              <a:defRPr sz="17067" kern="1200">
+                <a:solidFill>
+                  <a:schemeClr val="tx1"/>
+                </a:solidFill>
+                <a:latin typeface="+mn-lt"/>
+                <a:ea typeface="+mn-ea"/>
+                <a:cs typeface="+mn-cs"/>
+              </a:defRPr>
+            </a:lvl6pPr>
+            <a:lvl7pPr marL="25357837" indent="-1950605" algn="l" defTabSz="7802411" rtl="0" eaLnBrk="1" latinLnBrk="0" hangingPunct="1">
+              <a:spcBef>
+                <a:spcPct val="20000"/>
+              </a:spcBef>
+              <a:buFont typeface="Arial" pitchFamily="34" charset="0"/>
+              <a:buChar char="•"/>
+              <a:defRPr sz="17067" kern="1200">
+                <a:solidFill>
+                  <a:schemeClr val="tx1"/>
+                </a:solidFill>
+                <a:latin typeface="+mn-lt"/>
+                <a:ea typeface="+mn-ea"/>
+                <a:cs typeface="+mn-cs"/>
+              </a:defRPr>
+            </a:lvl7pPr>
+            <a:lvl8pPr marL="29259046" indent="-1950605" algn="l" defTabSz="7802411" rtl="0" eaLnBrk="1" latinLnBrk="0" hangingPunct="1">
+              <a:spcBef>
+                <a:spcPct val="20000"/>
+              </a:spcBef>
+              <a:buFont typeface="Arial" pitchFamily="34" charset="0"/>
+              <a:buChar char="•"/>
+              <a:defRPr sz="17067" kern="1200">
+                <a:solidFill>
+                  <a:schemeClr val="tx1"/>
+                </a:solidFill>
+                <a:latin typeface="+mn-lt"/>
+                <a:ea typeface="+mn-ea"/>
+                <a:cs typeface="+mn-cs"/>
+              </a:defRPr>
+            </a:lvl8pPr>
+            <a:lvl9pPr marL="33160251" indent="-1950605" algn="l" defTabSz="7802411" rtl="0" eaLnBrk="1" latinLnBrk="0" hangingPunct="1">
+              <a:spcBef>
+                <a:spcPct val="20000"/>
+              </a:spcBef>
+              <a:buFont typeface="Arial" pitchFamily="34" charset="0"/>
+              <a:buChar char="•"/>
+              <a:defRPr sz="17067" kern="1200">
+                <a:solidFill>
+                  <a:schemeClr val="tx1"/>
+                </a:solidFill>
+                <a:latin typeface="+mn-lt"/>
+                <a:ea typeface="+mn-ea"/>
+                <a:cs typeface="+mn-cs"/>
+              </a:defRPr>
+            </a:lvl9pPr>
+          </a:lstStyle>
+          <a:p>
+            <a:r>
+              <a:rPr lang="en-US" sz="5000" dirty="0">
+                <a:latin typeface="Times New Roman" panose="02020603050405020304" pitchFamily="18" charset="0"/>
+                <a:cs typeface="Times New Roman" panose="02020603050405020304" pitchFamily="18" charset="0"/>
+              </a:rPr>
+              <a:t>    Our first metric, EMS Travel Time, shows that both the Green Corridor and Red Freeze traffic policies decrease the travel time of EMS vehicle, with Green Corridor reducing it by 47.25%.</a:t>
+            </a:r>
+          </a:p>
+        </p:txBody>
+      </p:sp>
+      <p:sp>
+        <p:nvSpPr>
           <p:cNvPr id="2" name="Text Placeholder 1">
             <a:extLst>
               <a:ext uri="{FF2B5EF4-FFF2-40B4-BE49-F238E27FC236}">
@@ -10676,7 +10176,7 @@
         <p:spPr>
           <a:xfrm>
             <a:off x="9105900" y="2859525"/>
-            <a:ext cx="25679400" cy="1079891"/>
+            <a:ext cx="25679400" cy="830997"/>
           </a:xfrm>
         </p:spPr>
         <p:txBody>
@@ -10685,7 +10185,7 @@
           <a:p>
             <a:r>
               <a:rPr lang="en-US" dirty="0"/>
-              <a:t>The University of Pittsburgh School of Computing and Information, CS PhD Program</a:t>
+              <a:t>University of Pittsburgh – School of Computing and Information – CS Capstone Project</a:t>
             </a:r>
           </a:p>
         </p:txBody>
@@ -10911,7 +10411,7 @@
         <p:spPr>
           <a:xfrm>
             <a:off x="11430000" y="7110548"/>
-            <a:ext cx="10058400" cy="5187664"/>
+            <a:ext cx="10058400" cy="5355312"/>
           </a:xfrm>
         </p:spPr>
         <p:txBody>
@@ -10923,7 +10423,7 @@
                 <a:latin typeface="Times New Roman" panose="02020603050405020304" pitchFamily="18" charset="0"/>
                 <a:cs typeface="Times New Roman" panose="02020603050405020304" pitchFamily="18" charset="0"/>
               </a:rPr>
-              <a:t>   We initially planned on using CityFlow because of its efficient performance with reinforcement learning, however we discovered that it did not have the functionality our research required.</a:t>
+              <a:t>     We initially planned on using CityFlow because of its efficient performance with reinforcement learning, however we discovered that it did not have the functionality our research required.</a:t>
             </a:r>
           </a:p>
         </p:txBody>
@@ -11172,66 +10672,6 @@
           </a:prstGeom>
         </p:spPr>
       </p:pic>
-      <p:graphicFrame>
-        <p:nvGraphicFramePr>
-          <p:cNvPr id="34" name="Chart 33">
-            <a:extLst>
-              <a:ext uri="{FF2B5EF4-FFF2-40B4-BE49-F238E27FC236}">
-                <a16:creationId xmlns:a16="http://schemas.microsoft.com/office/drawing/2014/main" id="{221766DF-A779-6940-D027-7AC2B312F2A7}"/>
-              </a:ext>
-            </a:extLst>
-          </p:cNvPr>
-          <p:cNvGraphicFramePr>
-            <a:graphicFrameLocks/>
-          </p:cNvGraphicFramePr>
-          <p:nvPr>
-            <p:extLst>
-              <p:ext uri="{D42A27DB-BD31-4B8C-83A1-F6EECF244321}">
-                <p14:modId xmlns:p14="http://schemas.microsoft.com/office/powerpoint/2010/main" val="2528131086"/>
-              </p:ext>
-            </p:extLst>
-          </p:nvPr>
-        </p:nvGraphicFramePr>
-        <p:xfrm>
-          <a:off x="22540961" y="6410904"/>
-          <a:ext cx="13488097" cy="9264637"/>
-        </p:xfrm>
-        <a:graphic>
-          <a:graphicData uri="http://schemas.openxmlformats.org/drawingml/2006/chart">
-            <c:chart xmlns:c="http://schemas.openxmlformats.org/drawingml/2006/chart" xmlns:r="http://schemas.openxmlformats.org/officeDocument/2006/relationships" r:id="rId4"/>
-          </a:graphicData>
-        </a:graphic>
-      </p:graphicFrame>
-      <p:graphicFrame>
-        <p:nvGraphicFramePr>
-          <p:cNvPr id="35" name="Chart 34">
-            <a:extLst>
-              <a:ext uri="{FF2B5EF4-FFF2-40B4-BE49-F238E27FC236}">
-                <a16:creationId xmlns:a16="http://schemas.microsoft.com/office/drawing/2014/main" id="{D108EED0-10D0-4E14-92DA-8E5AAC169E6F}"/>
-              </a:ext>
-            </a:extLst>
-          </p:cNvPr>
-          <p:cNvGraphicFramePr>
-            <a:graphicFrameLocks/>
-          </p:cNvGraphicFramePr>
-          <p:nvPr>
-            <p:extLst>
-              <p:ext uri="{D42A27DB-BD31-4B8C-83A1-F6EECF244321}">
-                <p14:modId xmlns:p14="http://schemas.microsoft.com/office/powerpoint/2010/main" val="2109408023"/>
-              </p:ext>
-            </p:extLst>
-          </p:nvPr>
-        </p:nvGraphicFramePr>
-        <p:xfrm>
-          <a:off x="22537916" y="16079149"/>
-          <a:ext cx="13488097" cy="10813171"/>
-        </p:xfrm>
-        <a:graphic>
-          <a:graphicData uri="http://schemas.openxmlformats.org/drawingml/2006/chart">
-            <c:chart xmlns:c="http://schemas.openxmlformats.org/drawingml/2006/chart" xmlns:r="http://schemas.openxmlformats.org/officeDocument/2006/relationships" r:id="rId5"/>
-          </a:graphicData>
-        </a:graphic>
-      </p:graphicFrame>
       <p:sp>
         <p:nvSpPr>
           <p:cNvPr id="36" name="Rectangle 35">
@@ -11246,7 +10686,7 @@
         </p:nvSpPr>
         <p:spPr>
           <a:xfrm>
-            <a:off x="36477431" y="15675541"/>
+            <a:off x="36477431" y="14959756"/>
             <a:ext cx="6675020" cy="2864099"/>
           </a:xfrm>
           <a:prstGeom prst="rect">
@@ -11281,7 +10721,6 @@
           <a:bodyPr rtlCol="0" anchor="ctr"/>
           <a:lstStyle/>
           <a:p>
-            <a:pPr algn="ctr"/>
             <a:r>
               <a:rPr lang="en-US" b="0" i="0" dirty="0">
                 <a:solidFill>
@@ -11290,7 +10729,7 @@
                 <a:effectLst/>
                 <a:latin typeface="Open Sans" panose="020B0606030504020204" pitchFamily="34" charset="0"/>
               </a:rPr>
-              <a:t>■ </a:t>
+              <a:t>  ■ </a:t>
             </a:r>
             <a:r>
               <a:rPr lang="en-US" b="0" i="0" dirty="0">
@@ -11305,7 +10744,6 @@
             </a:r>
           </a:p>
           <a:p>
-            <a:pPr algn="ctr"/>
             <a:r>
               <a:rPr lang="en-US" b="0" i="0" dirty="0">
                 <a:solidFill>
@@ -11314,7 +10752,7 @@
                 <a:effectLst/>
                 <a:latin typeface="Open Sans" panose="020B0606030504020204" pitchFamily="34" charset="0"/>
               </a:rPr>
-              <a:t>■</a:t>
+              <a:t>  ■</a:t>
             </a:r>
             <a:r>
               <a:rPr lang="en-US" b="0" i="0" dirty="0">
@@ -11338,7 +10776,6 @@
             </a:r>
           </a:p>
           <a:p>
-            <a:pPr algn="ctr"/>
             <a:r>
               <a:rPr lang="en-US" b="0" i="0" dirty="0">
                 <a:solidFill>
@@ -11347,7 +10784,7 @@
                 <a:effectLst/>
                 <a:latin typeface="Open Sans" panose="020B0606030504020204" pitchFamily="34" charset="0"/>
               </a:rPr>
-              <a:t>■</a:t>
+              <a:t>  ■</a:t>
             </a:r>
             <a:r>
               <a:rPr lang="en-US" b="0" i="0" dirty="0">
@@ -11394,8 +10831,8 @@
         </p:nvSpPr>
         <p:spPr>
           <a:xfrm>
-            <a:off x="459299" y="18931846"/>
-            <a:ext cx="10058399" cy="5921621"/>
+            <a:off x="459299" y="18499756"/>
+            <a:ext cx="10058399" cy="6567952"/>
           </a:xfrm>
           <a:prstGeom prst="rect">
             <a:avLst/>
@@ -11570,7 +11007,7 @@
                 <a:latin typeface="Times New Roman" panose="02020603050405020304" pitchFamily="18" charset="0"/>
                 <a:cs typeface="Times New Roman" panose="02020603050405020304" pitchFamily="18" charset="0"/>
               </a:rPr>
-              <a:t>This policy turns all lights for EMS lanes green until the EMS passes</a:t>
+              <a:t>This policy activates green lights for the next three signals in the EMS vehicle’s route.</a:t>
             </a:r>
           </a:p>
           <a:p>
@@ -11596,7 +11033,7 @@
                 <a:latin typeface="Times New Roman" panose="02020603050405020304" pitchFamily="18" charset="0"/>
                 <a:cs typeface="Times New Roman" panose="02020603050405020304" pitchFamily="18" charset="0"/>
               </a:rPr>
-              <a:t>This policy makes every light red until EMS cuts through the intersection</a:t>
+              <a:t>This policy makes all lights in the next intersection red while the EMS vehicle is passing through it.</a:t>
             </a:r>
           </a:p>
         </p:txBody>
@@ -11617,7 +11054,7 @@
         </p:nvSpPr>
         <p:spPr>
           <a:xfrm>
-            <a:off x="455799" y="25509462"/>
+            <a:off x="455799" y="26482358"/>
             <a:ext cx="10058399" cy="5275290"/>
           </a:xfrm>
           <a:prstGeom prst="rect">
@@ -11793,7 +11230,7 @@
                 <a:latin typeface="Times New Roman" panose="02020603050405020304" pitchFamily="18" charset="0"/>
                 <a:cs typeface="Times New Roman" panose="02020603050405020304" pitchFamily="18" charset="0"/>
               </a:rPr>
-              <a:t>Measured in simulation steps it takes EMS to get from point A to point B</a:t>
+              <a:t>Measured in seconds it takes the EMS vehicle to get from point A to point B</a:t>
             </a:r>
           </a:p>
           <a:p>
@@ -11806,7 +11243,7 @@
                 <a:latin typeface="Times New Roman" panose="02020603050405020304" pitchFamily="18" charset="0"/>
                 <a:cs typeface="Times New Roman" panose="02020603050405020304" pitchFamily="18" charset="0"/>
               </a:rPr>
-              <a:t>Impact on Congestion</a:t>
+              <a:t>Congestion Clearing Time</a:t>
             </a:r>
           </a:p>
           <a:p>
@@ -11819,7 +11256,7 @@
                 <a:latin typeface="Times New Roman" panose="02020603050405020304" pitchFamily="18" charset="0"/>
                 <a:cs typeface="Times New Roman" panose="02020603050405020304" pitchFamily="18" charset="0"/>
               </a:rPr>
-              <a:t>Measured in simulation steps it takes resulting congestion to clear</a:t>
+              <a:t>Measured in seconds it takes resulting congestion to clear</a:t>
             </a:r>
           </a:p>
         </p:txBody>
@@ -11840,7 +11277,7 @@
         </p:nvSpPr>
         <p:spPr>
           <a:xfrm>
-            <a:off x="455798" y="17916182"/>
+            <a:off x="455798" y="17659767"/>
             <a:ext cx="10058400" cy="1015663"/>
           </a:xfrm>
           <a:prstGeom prst="rect">
@@ -11999,7 +11436,7 @@
             <a:pPr algn="l"/>
             <a:r>
               <a:rPr lang="en-US" sz="6000" dirty="0"/>
-              <a:t>Traffic Signal Policies</a:t>
+              <a:t> Traffic Signal Policies</a:t>
             </a:r>
           </a:p>
         </p:txBody>
@@ -12020,7 +11457,7 @@
         </p:nvSpPr>
         <p:spPr>
           <a:xfrm>
-            <a:off x="462798" y="24636143"/>
+            <a:off x="462798" y="25680100"/>
             <a:ext cx="10058400" cy="1015663"/>
           </a:xfrm>
           <a:prstGeom prst="rect">
@@ -12200,8 +11637,8 @@
         </p:nvSpPr>
         <p:spPr>
           <a:xfrm>
-            <a:off x="11878153" y="19489373"/>
-            <a:ext cx="4546292" cy="3447098"/>
+            <a:off x="11878153" y="20013569"/>
+            <a:ext cx="4546292" cy="2954655"/>
           </a:xfrm>
           <a:prstGeom prst="rect">
             <a:avLst/>
@@ -12356,230 +11793,11 @@
           <a:p>
             <a:pPr algn="r"/>
             <a:r>
-              <a:rPr lang="en-US" sz="4400" dirty="0">
+              <a:rPr lang="en-US" sz="3600" dirty="0">
                 <a:latin typeface="Times New Roman" panose="02020603050405020304" pitchFamily="18" charset="0"/>
                 <a:cs typeface="Times New Roman" panose="02020603050405020304" pitchFamily="18" charset="0"/>
               </a:rPr>
               <a:t>Simulation intersection with an EMS vehicle lane splitting</a:t>
-            </a:r>
-          </a:p>
-        </p:txBody>
-      </p:sp>
-      <p:sp>
-        <p:nvSpPr>
-          <p:cNvPr id="49" name="Text Placeholder 13">
-            <a:extLst>
-              <a:ext uri="{FF2B5EF4-FFF2-40B4-BE49-F238E27FC236}">
-                <a16:creationId xmlns:a16="http://schemas.microsoft.com/office/drawing/2014/main" id="{6D194598-4192-2FD7-7328-AC122BD08451}"/>
-              </a:ext>
-            </a:extLst>
-          </p:cNvPr>
-          <p:cNvSpPr txBox="1">
-            <a:spLocks/>
-          </p:cNvSpPr>
-          <p:nvPr/>
-        </p:nvSpPr>
-        <p:spPr>
-          <a:xfrm>
-            <a:off x="36098639" y="7598228"/>
-            <a:ext cx="7485506" cy="18589704"/>
-          </a:xfrm>
-          <a:prstGeom prst="rect">
-            <a:avLst/>
-          </a:prstGeom>
-        </p:spPr>
-        <p:txBody>
-          <a:bodyPr wrap="square" lIns="365760" tIns="365760" rIns="365760" bIns="365760">
-            <a:spAutoFit/>
-          </a:bodyPr>
-          <a:lstStyle>
-            <a:lvl1pPr marL="0" indent="0" algn="l" defTabSz="7802411" rtl="0" eaLnBrk="1" latinLnBrk="0" hangingPunct="1">
-              <a:spcBef>
-                <a:spcPct val="20000"/>
-              </a:spcBef>
-              <a:buFont typeface="Arial" pitchFamily="34" charset="0"/>
-              <a:buNone/>
-              <a:tabLst/>
-              <a:defRPr lang="en-US" sz="3200" kern="1200" dirty="0">
-                <a:solidFill>
-                  <a:schemeClr val="tx1"/>
-                </a:solidFill>
-                <a:latin typeface="+mn-lt"/>
-                <a:ea typeface="+mn-ea"/>
-                <a:cs typeface="+mn-cs"/>
-              </a:defRPr>
-            </a:lvl1pPr>
-            <a:lvl2pPr marL="461963" indent="-231775" algn="l" defTabSz="7802411" rtl="0" eaLnBrk="1" latinLnBrk="0" hangingPunct="1">
-              <a:spcBef>
-                <a:spcPct val="20000"/>
-              </a:spcBef>
-              <a:buFont typeface="Arial" pitchFamily="34" charset="0"/>
-              <a:buChar char="–"/>
-              <a:tabLst/>
-              <a:defRPr lang="en-US" sz="2400" kern="1200" dirty="0">
-                <a:solidFill>
-                  <a:schemeClr val="tx1"/>
-                </a:solidFill>
-                <a:latin typeface="+mn-lt"/>
-                <a:ea typeface="+mn-ea"/>
-                <a:cs typeface="+mn-cs"/>
-              </a:defRPr>
-            </a:lvl2pPr>
-            <a:lvl3pPr marL="461963" indent="-231775" algn="l" defTabSz="7802411" rtl="0" eaLnBrk="1" latinLnBrk="0" hangingPunct="1">
-              <a:spcBef>
-                <a:spcPct val="20000"/>
-              </a:spcBef>
-              <a:buFont typeface="Arial" pitchFamily="34" charset="0"/>
-              <a:buChar char="•"/>
-              <a:tabLst/>
-              <a:defRPr lang="en-US" sz="1800" kern="1200" dirty="0">
-                <a:solidFill>
-                  <a:schemeClr val="tx1"/>
-                </a:solidFill>
-                <a:latin typeface="+mn-lt"/>
-                <a:ea typeface="+mn-ea"/>
-                <a:cs typeface="+mn-cs"/>
-              </a:defRPr>
-            </a:lvl3pPr>
-            <a:lvl4pPr marL="461963" indent="-231775" algn="l" defTabSz="7802411" rtl="0" eaLnBrk="1" latinLnBrk="0" hangingPunct="1">
-              <a:spcBef>
-                <a:spcPct val="20000"/>
-              </a:spcBef>
-              <a:buFont typeface="Arial" pitchFamily="34" charset="0"/>
-              <a:buChar char="–"/>
-              <a:tabLst/>
-              <a:defRPr lang="en-US" sz="1200" kern="1200" dirty="0">
-                <a:solidFill>
-                  <a:schemeClr val="tx1"/>
-                </a:solidFill>
-                <a:latin typeface="+mn-lt"/>
-                <a:ea typeface="+mn-ea"/>
-                <a:cs typeface="+mn-cs"/>
-              </a:defRPr>
-            </a:lvl4pPr>
-            <a:lvl5pPr marL="461963" indent="-231775" algn="l" defTabSz="7802411" rtl="0" eaLnBrk="1" latinLnBrk="0" hangingPunct="1">
-              <a:spcBef>
-                <a:spcPct val="20000"/>
-              </a:spcBef>
-              <a:buFont typeface="Arial" pitchFamily="34" charset="0"/>
-              <a:buChar char="»"/>
-              <a:tabLst/>
-              <a:defRPr lang="en-US" sz="1200" kern="1200" dirty="0">
-                <a:solidFill>
-                  <a:schemeClr val="tx1"/>
-                </a:solidFill>
-                <a:latin typeface="+mn-lt"/>
-                <a:ea typeface="+mn-ea"/>
-                <a:cs typeface="+mn-cs"/>
-              </a:defRPr>
-            </a:lvl5pPr>
-            <a:lvl6pPr marL="21456635" indent="-1950605" algn="l" defTabSz="7802411" rtl="0" eaLnBrk="1" latinLnBrk="0" hangingPunct="1">
-              <a:spcBef>
-                <a:spcPct val="20000"/>
-              </a:spcBef>
-              <a:buFont typeface="Arial" pitchFamily="34" charset="0"/>
-              <a:buChar char="•"/>
-              <a:defRPr sz="17067" kern="1200">
-                <a:solidFill>
-                  <a:schemeClr val="tx1"/>
-                </a:solidFill>
-                <a:latin typeface="+mn-lt"/>
-                <a:ea typeface="+mn-ea"/>
-                <a:cs typeface="+mn-cs"/>
-              </a:defRPr>
-            </a:lvl6pPr>
-            <a:lvl7pPr marL="25357837" indent="-1950605" algn="l" defTabSz="7802411" rtl="0" eaLnBrk="1" latinLnBrk="0" hangingPunct="1">
-              <a:spcBef>
-                <a:spcPct val="20000"/>
-              </a:spcBef>
-              <a:buFont typeface="Arial" pitchFamily="34" charset="0"/>
-              <a:buChar char="•"/>
-              <a:defRPr sz="17067" kern="1200">
-                <a:solidFill>
-                  <a:schemeClr val="tx1"/>
-                </a:solidFill>
-                <a:latin typeface="+mn-lt"/>
-                <a:ea typeface="+mn-ea"/>
-                <a:cs typeface="+mn-cs"/>
-              </a:defRPr>
-            </a:lvl7pPr>
-            <a:lvl8pPr marL="29259046" indent="-1950605" algn="l" defTabSz="7802411" rtl="0" eaLnBrk="1" latinLnBrk="0" hangingPunct="1">
-              <a:spcBef>
-                <a:spcPct val="20000"/>
-              </a:spcBef>
-              <a:buFont typeface="Arial" pitchFamily="34" charset="0"/>
-              <a:buChar char="•"/>
-              <a:defRPr sz="17067" kern="1200">
-                <a:solidFill>
-                  <a:schemeClr val="tx1"/>
-                </a:solidFill>
-                <a:latin typeface="+mn-lt"/>
-                <a:ea typeface="+mn-ea"/>
-                <a:cs typeface="+mn-cs"/>
-              </a:defRPr>
-            </a:lvl8pPr>
-            <a:lvl9pPr marL="33160251" indent="-1950605" algn="l" defTabSz="7802411" rtl="0" eaLnBrk="1" latinLnBrk="0" hangingPunct="1">
-              <a:spcBef>
-                <a:spcPct val="20000"/>
-              </a:spcBef>
-              <a:buFont typeface="Arial" pitchFamily="34" charset="0"/>
-              <a:buChar char="•"/>
-              <a:defRPr sz="17067" kern="1200">
-                <a:solidFill>
-                  <a:schemeClr val="tx1"/>
-                </a:solidFill>
-                <a:latin typeface="+mn-lt"/>
-                <a:ea typeface="+mn-ea"/>
-                <a:cs typeface="+mn-cs"/>
-              </a:defRPr>
-            </a:lvl9pPr>
-          </a:lstStyle>
-          <a:p>
-            <a:r>
-              <a:rPr lang="en-US" sz="5000" dirty="0">
-                <a:latin typeface="Times New Roman" panose="02020603050405020304" pitchFamily="18" charset="0"/>
-                <a:cs typeface="Times New Roman" panose="02020603050405020304" pitchFamily="18" charset="0"/>
-              </a:rPr>
-              <a:t>   Our first experiment, EMS Travel Time by Priority shows that both Green Corridor and Red Freeze traffic policy implementations decrease the travel time of EMS regardless of traffic congestion.</a:t>
-            </a:r>
-          </a:p>
-          <a:p>
-            <a:endParaRPr lang="en-US" sz="5000" dirty="0">
-              <a:latin typeface="Times New Roman" panose="02020603050405020304" pitchFamily="18" charset="0"/>
-              <a:cs typeface="Times New Roman" panose="02020603050405020304" pitchFamily="18" charset="0"/>
-            </a:endParaRPr>
-          </a:p>
-          <a:p>
-            <a:endParaRPr lang="en-US" sz="5000" dirty="0">
-              <a:latin typeface="Times New Roman" panose="02020603050405020304" pitchFamily="18" charset="0"/>
-              <a:cs typeface="Times New Roman" panose="02020603050405020304" pitchFamily="18" charset="0"/>
-            </a:endParaRPr>
-          </a:p>
-          <a:p>
-            <a:endParaRPr lang="en-US" sz="5000" dirty="0">
-              <a:latin typeface="Times New Roman" panose="02020603050405020304" pitchFamily="18" charset="0"/>
-              <a:cs typeface="Times New Roman" panose="02020603050405020304" pitchFamily="18" charset="0"/>
-            </a:endParaRPr>
-          </a:p>
-          <a:p>
-            <a:endParaRPr lang="en-US" sz="5000" dirty="0">
-              <a:latin typeface="Times New Roman" panose="02020603050405020304" pitchFamily="18" charset="0"/>
-              <a:cs typeface="Times New Roman" panose="02020603050405020304" pitchFamily="18" charset="0"/>
-            </a:endParaRPr>
-          </a:p>
-          <a:p>
-            <a:endParaRPr lang="en-US" sz="5000" dirty="0">
-              <a:latin typeface="Times New Roman" panose="02020603050405020304" pitchFamily="18" charset="0"/>
-              <a:cs typeface="Times New Roman" panose="02020603050405020304" pitchFamily="18" charset="0"/>
-            </a:endParaRPr>
-          </a:p>
-          <a:p>
-            <a:r>
-              <a:rPr lang="en-US" sz="5000" dirty="0">
-                <a:latin typeface="Times New Roman" panose="02020603050405020304" pitchFamily="18" charset="0"/>
-                <a:cs typeface="Times New Roman" panose="02020603050405020304" pitchFamily="18" charset="0"/>
-              </a:rPr>
-              <a:t>   Our second experiment, Congestion Clearing Time vs. Traffic Density, shows that the policies – which temporarily change the pattern of traffic signals – do not increase congestion after their use. </a:t>
             </a:r>
           </a:p>
         </p:txBody>
@@ -12759,7 +11977,7 @@
                 <a:latin typeface="Times New Roman" panose="02020603050405020304" pitchFamily="18" charset="0"/>
                 <a:cs typeface="Times New Roman" panose="02020603050405020304" pitchFamily="18" charset="0"/>
               </a:rPr>
-              <a:t>These results are exciting because they show that not only was our implementation of EMS priority policies able to get EMS vehicles to their destinations faster, but it did not increase resulting congestion. This means that in our simulations, the implementation of EMS priority policies has a net benefit to the performance of traffic systems.</a:t>
+              <a:t>These results are exciting because they suggest that not only was our implementation of EMS priority policies able to get EMS vehicles to their destinations faster but, in most cases, it did not increase resulting congestion. This means that in our simulations, the implementation of EMS priority policies has a net benefit to the performance of traffic systems.</a:t>
             </a:r>
           </a:p>
         </p:txBody>
@@ -12780,8 +11998,8 @@
         </p:nvSpPr>
         <p:spPr>
           <a:xfrm>
-            <a:off x="561897" y="12837790"/>
-            <a:ext cx="9770598" cy="4893647"/>
+            <a:off x="462798" y="12837790"/>
+            <a:ext cx="10051400" cy="4893647"/>
           </a:xfrm>
           <a:prstGeom prst="rect">
             <a:avLst/>
@@ -13149,7 +12367,7 @@
                 <a:latin typeface="Times New Roman" panose="02020603050405020304" pitchFamily="18" charset="0"/>
                 <a:cs typeface="Times New Roman" panose="02020603050405020304" pitchFamily="18" charset="0"/>
               </a:rPr>
-              <a:t>  We transitioned to another program, SUMO because it had fully implemented EMS vehicle functionality.</a:t>
+              <a:t>    We transitioned to another program, SUMO, because it had fully implemented EMS vehicle functionality.</a:t>
             </a:r>
             <a:endParaRPr lang="en-US" sz="9600" dirty="0"/>
           </a:p>
@@ -14182,7 +13400,7 @@
           <p:nvPr/>
         </p:nvPicPr>
         <p:blipFill>
-          <a:blip r:embed="rId6" cstate="print">
+          <a:blip r:embed="rId4" cstate="print">
             <a:extLst>
               <a:ext uri="{28A0092B-C50C-407E-A947-70E740481C1C}">
                 <a14:useLocalDpi xmlns:a14="http://schemas.microsoft.com/office/drawing/2010/main" val="0"/>
@@ -14229,7 +13447,7 @@
           <p:nvPr/>
         </p:nvPicPr>
         <p:blipFill>
-          <a:blip r:embed="rId7" cstate="print">
+          <a:blip r:embed="rId5" cstate="print">
             <a:extLst>
               <a:ext uri="{28A0092B-C50C-407E-A947-70E740481C1C}">
                 <a14:useLocalDpi xmlns:a14="http://schemas.microsoft.com/office/drawing/2010/main" val="0"/>
@@ -14276,7 +13494,7 @@
           <p:nvPr/>
         </p:nvPicPr>
         <p:blipFill>
-          <a:blip r:embed="rId8" cstate="print">
+          <a:blip r:embed="rId6" cstate="print">
             <a:extLst>
               <a:ext uri="{28A0092B-C50C-407E-A947-70E740481C1C}">
                 <a14:useLocalDpi xmlns:a14="http://schemas.microsoft.com/office/drawing/2010/main" val="0"/>
@@ -14323,7 +13541,7 @@
           <p:nvPr/>
         </p:nvPicPr>
         <p:blipFill rotWithShape="1">
-          <a:blip r:embed="rId9">
+          <a:blip r:embed="rId7">
             <a:extLst>
               <a:ext uri="{28A0092B-C50C-407E-A947-70E740481C1C}">
                 <a14:useLocalDpi xmlns:a14="http://schemas.microsoft.com/office/drawing/2010/main" val="0"/>
@@ -14335,7 +13553,7 @@
         </p:blipFill>
         <p:spPr bwMode="auto">
           <a:xfrm>
-            <a:off x="11692951" y="17372586"/>
+            <a:off x="12036420" y="17319297"/>
             <a:ext cx="3297580" cy="2468524"/>
           </a:xfrm>
           <a:prstGeom prst="rect">
@@ -14353,6 +13571,105 @@
           </a:extLst>
         </p:spPr>
       </p:pic>
+      <p:graphicFrame>
+        <p:nvGraphicFramePr>
+          <p:cNvPr id="13" name="Chart 12">
+            <a:extLst>
+              <a:ext uri="{FF2B5EF4-FFF2-40B4-BE49-F238E27FC236}">
+                <a16:creationId xmlns:a16="http://schemas.microsoft.com/office/drawing/2014/main" id="{E578B048-35A3-434E-B0FB-8E38453033C4}"/>
+              </a:ext>
+            </a:extLst>
+          </p:cNvPr>
+          <p:cNvGraphicFramePr>
+            <a:graphicFrameLocks/>
+          </p:cNvGraphicFramePr>
+          <p:nvPr>
+            <p:extLst>
+              <p:ext uri="{D42A27DB-BD31-4B8C-83A1-F6EECF244321}">
+                <p14:modId xmlns:p14="http://schemas.microsoft.com/office/powerpoint/2010/main" val="728871625"/>
+              </p:ext>
+            </p:extLst>
+          </p:nvPr>
+        </p:nvGraphicFramePr>
+        <p:xfrm>
+          <a:off x="23061214" y="6730468"/>
+          <a:ext cx="13416217" cy="9269482"/>
+        </p:xfrm>
+        <a:graphic>
+          <a:graphicData uri="http://schemas.openxmlformats.org/drawingml/2006/chart">
+            <c:chart xmlns:c="http://schemas.openxmlformats.org/drawingml/2006/chart" xmlns:r="http://schemas.openxmlformats.org/officeDocument/2006/relationships" r:id="rId8"/>
+          </a:graphicData>
+        </a:graphic>
+      </p:graphicFrame>
+      <p:graphicFrame>
+        <p:nvGraphicFramePr>
+          <p:cNvPr id="15" name="Chart 14">
+            <a:extLst>
+              <a:ext uri="{FF2B5EF4-FFF2-40B4-BE49-F238E27FC236}">
+                <a16:creationId xmlns:a16="http://schemas.microsoft.com/office/drawing/2014/main" id="{090CFAC2-DC9B-4A4A-91EE-3C4258D362F1}"/>
+              </a:ext>
+            </a:extLst>
+          </p:cNvPr>
+          <p:cNvGraphicFramePr>
+            <a:graphicFrameLocks/>
+          </p:cNvGraphicFramePr>
+          <p:nvPr>
+            <p:extLst>
+              <p:ext uri="{D42A27DB-BD31-4B8C-83A1-F6EECF244321}">
+                <p14:modId xmlns:p14="http://schemas.microsoft.com/office/powerpoint/2010/main" val="3704543718"/>
+              </p:ext>
+            </p:extLst>
+          </p:nvPr>
+        </p:nvGraphicFramePr>
+        <p:xfrm>
+          <a:off x="23061214" y="16459200"/>
+          <a:ext cx="13062720" cy="10836729"/>
+        </p:xfrm>
+        <a:graphic>
+          <a:graphicData uri="http://schemas.openxmlformats.org/drawingml/2006/chart">
+            <c:chart xmlns:c="http://schemas.openxmlformats.org/drawingml/2006/chart" xmlns:r="http://schemas.openxmlformats.org/officeDocument/2006/relationships" r:id="rId9"/>
+          </a:graphicData>
+        </a:graphic>
+      </p:graphicFrame>
+      <p:sp>
+        <p:nvSpPr>
+          <p:cNvPr id="23" name="TextBox 22">
+            <a:extLst>
+              <a:ext uri="{FF2B5EF4-FFF2-40B4-BE49-F238E27FC236}">
+                <a16:creationId xmlns:a16="http://schemas.microsoft.com/office/drawing/2014/main" id="{B9095F92-0C4E-E18F-0CA2-4976CDE549EA}"/>
+              </a:ext>
+            </a:extLst>
+          </p:cNvPr>
+          <p:cNvSpPr txBox="1"/>
+          <p:nvPr/>
+        </p:nvSpPr>
+        <p:spPr>
+          <a:xfrm>
+            <a:off x="36477431" y="18167598"/>
+            <a:ext cx="6675018" cy="8556188"/>
+          </a:xfrm>
+          <a:prstGeom prst="rect">
+            <a:avLst/>
+          </a:prstGeom>
+          <a:noFill/>
+        </p:spPr>
+        <p:txBody>
+          <a:bodyPr wrap="square">
+            <a:spAutoFit/>
+          </a:bodyPr>
+          <a:lstStyle/>
+          <a:p>
+            <a:r>
+              <a:rPr lang="en-US" sz="5000" dirty="0">
+                <a:latin typeface="Times New Roman" panose="02020603050405020304" pitchFamily="18" charset="0"/>
+                <a:cs typeface="Times New Roman" panose="02020603050405020304" pitchFamily="18" charset="0"/>
+              </a:rPr>
+              <a:t>    Our second metric, Congestion Clearing Time, shows that the traffic policies – which temporarily change the pattern of traffic signals – do not significantly increase congestion after their use. In fact, the green corridor reduces it by 9.92%. </a:t>
+            </a:r>
+            <a:endParaRPr lang="en-US" sz="5000" dirty="0"/>
+          </a:p>
+        </p:txBody>
+      </p:sp>
     </p:spTree>
     <p:extLst>
       <p:ext uri="{BB962C8B-B14F-4D97-AF65-F5344CB8AC3E}">

--- a/FinalPresentationV3.pptx
+++ b/FinalPresentationV3.pptx
@@ -1078,12 +1078,11 @@
               <a:buFontTx/>
               <a:buNone/>
               <a:tabLst/>
-              <a:defRPr sz="6000" b="0" i="0" u="none" strike="noStrike" kern="1200" spc="0" baseline="0">
+              <a:defRPr sz="6000">
                 <a:solidFill>
                   <a:prstClr val="black"/>
                 </a:solidFill>
                 <a:latin typeface="Times New Roman" panose="02020603050405020304" pitchFamily="18" charset="0"/>
-                <a:ea typeface="+mn-ea"/>
                 <a:cs typeface="Times New Roman" panose="02020603050405020304" pitchFamily="18" charset="0"/>
               </a:defRPr>
             </a:pPr>
@@ -1114,12 +1113,11 @@
               <a:buFontTx/>
               <a:buNone/>
               <a:tabLst/>
-              <a:defRPr sz="6000" b="0" i="0" u="none" strike="noStrike" kern="1200" spc="0" baseline="0">
+              <a:defRPr sz="6000">
                 <a:solidFill>
                   <a:prstClr val="black"/>
                 </a:solidFill>
                 <a:latin typeface="Times New Roman" panose="02020603050405020304" pitchFamily="18" charset="0"/>
-                <a:ea typeface="+mn-ea"/>
                 <a:cs typeface="Times New Roman" panose="02020603050405020304" pitchFamily="18" charset="0"/>
               </a:defRPr>
             </a:pPr>
@@ -3098,7 +3096,7 @@
             <a:fld id="{0158C5BC-9A70-462C-B28D-9600239EAC64}" type="datetimeFigureOut">
               <a:rPr lang="en-US" smtClean="0"/>
               <a:pPr/>
-              <a:t>12/6/2022</a:t>
+              <a:t>12/7/2022</a:t>
             </a:fld>
             <a:endParaRPr lang="en-US"/>
           </a:p>
@@ -3265,7 +3263,7 @@
             <a:fld id="{E6CC2317-6751-4CD4-9995-8782DD78E936}" type="datetimeFigureOut">
               <a:rPr lang="en-US" smtClean="0"/>
               <a:pPr/>
-              <a:t>12/6/2022</a:t>
+              <a:t>12/7/2022</a:t>
             </a:fld>
             <a:endParaRPr lang="en-US" dirty="0"/>
           </a:p>
@@ -9994,7 +9992,7 @@
         <p:spPr>
           <a:xfrm>
             <a:off x="36477431" y="6628573"/>
-            <a:ext cx="6675020" cy="8433078"/>
+            <a:ext cx="6675020" cy="8156079"/>
           </a:xfrm>
           <a:prstGeom prst="rect">
             <a:avLst/>
@@ -10152,7 +10150,14 @@
                 <a:latin typeface="Times New Roman" panose="02020603050405020304" pitchFamily="18" charset="0"/>
                 <a:cs typeface="Times New Roman" panose="02020603050405020304" pitchFamily="18" charset="0"/>
               </a:rPr>
-              <a:t>    Our first metric, EMS Travel Time, shows that both the Green Corridor and Red Freeze traffic policies decrease the travel time of EMS vehicle, with Green Corridor reducing it by 47.25%.</a:t>
+              <a:t>    </a:t>
+            </a:r>
+            <a:r>
+              <a:rPr lang="en-US" sz="4800" dirty="0">
+                <a:latin typeface="Times New Roman" panose="02020603050405020304" pitchFamily="18" charset="0"/>
+                <a:cs typeface="Times New Roman" panose="02020603050405020304" pitchFamily="18" charset="0"/>
+              </a:rPr>
+              <a:t>Our first metric, EMS Travel Time, shows that both the Green Corridor and Red Freeze traffic policies decrease the travel time of EMS vehicle, with the Green Corridor reducing it by 47.25% in heavy traffic.</a:t>
             </a:r>
           </a:p>
         </p:txBody>
@@ -10299,7 +10304,7 @@
         <p:spPr>
           <a:xfrm>
             <a:off x="458599" y="12165090"/>
-            <a:ext cx="10059099" cy="1015663"/>
+            <a:ext cx="10059099" cy="923330"/>
           </a:xfrm>
         </p:spPr>
         <p:txBody>
@@ -10308,7 +10313,7 @@
           <a:p>
             <a:pPr algn="l"/>
             <a:r>
-              <a:rPr lang="en-US" sz="6000" dirty="0"/>
+              <a:rPr lang="en-US" sz="5400" dirty="0"/>
               <a:t> Objectives</a:t>
             </a:r>
           </a:p>
@@ -10831,8 +10836,8 @@
         </p:nvSpPr>
         <p:spPr>
           <a:xfrm>
-            <a:off x="459299" y="18499756"/>
-            <a:ext cx="10058399" cy="6567952"/>
+            <a:off x="459299" y="18248725"/>
+            <a:ext cx="10058399" cy="7860613"/>
           </a:xfrm>
           <a:prstGeom prst="rect">
             <a:avLst/>
@@ -11007,7 +11012,7 @@
                 <a:latin typeface="Times New Roman" panose="02020603050405020304" pitchFamily="18" charset="0"/>
                 <a:cs typeface="Times New Roman" panose="02020603050405020304" pitchFamily="18" charset="0"/>
               </a:rPr>
-              <a:t>This policy activates green lights for the next three signals in the EMS vehicle’s route.</a:t>
+              <a:t>This policy activates green lights for the next three signals in the EMS vehicle’s route. The signals resume normal operation after the EMS vehicle passes each intersection.</a:t>
             </a:r>
           </a:p>
           <a:p>
@@ -11278,7 +11283,7 @@
         <p:spPr>
           <a:xfrm>
             <a:off x="455798" y="17659767"/>
-            <a:ext cx="10058400" cy="1015663"/>
+            <a:ext cx="10058400" cy="923330"/>
           </a:xfrm>
           <a:prstGeom prst="rect">
             <a:avLst/>
@@ -11435,7 +11440,7 @@
           <a:p>
             <a:pPr algn="l"/>
             <a:r>
-              <a:rPr lang="en-US" sz="6000" dirty="0"/>
+              <a:rPr lang="en-US" sz="5400" dirty="0"/>
               <a:t> Traffic Signal Policies</a:t>
             </a:r>
           </a:p>
@@ -11457,8 +11462,8 @@
         </p:nvSpPr>
         <p:spPr>
           <a:xfrm>
-            <a:off x="462798" y="25680100"/>
-            <a:ext cx="10058400" cy="1015663"/>
+            <a:off x="462798" y="25837578"/>
+            <a:ext cx="10058400" cy="923330"/>
           </a:xfrm>
           <a:prstGeom prst="rect">
             <a:avLst/>
@@ -11615,7 +11620,7 @@
           <a:p>
             <a:pPr algn="l"/>
             <a:r>
-              <a:rPr lang="en-US" sz="6000" dirty="0"/>
+              <a:rPr lang="en-US" sz="5400" dirty="0"/>
               <a:t> Data Metrics to Analyze</a:t>
             </a:r>
           </a:p>
@@ -13646,7 +13651,7 @@
         <p:spPr>
           <a:xfrm>
             <a:off x="36477431" y="18167598"/>
-            <a:ext cx="6675018" cy="8556188"/>
+            <a:ext cx="6675018" cy="8217634"/>
           </a:xfrm>
           <a:prstGeom prst="rect">
             <a:avLst/>
@@ -13660,13 +13665,13 @@
           <a:lstStyle/>
           <a:p>
             <a:r>
-              <a:rPr lang="en-US" sz="5000" dirty="0">
+              <a:rPr lang="en-US" sz="4800" dirty="0">
                 <a:latin typeface="Times New Roman" panose="02020603050405020304" pitchFamily="18" charset="0"/>
                 <a:cs typeface="Times New Roman" panose="02020603050405020304" pitchFamily="18" charset="0"/>
               </a:rPr>
-              <a:t>    Our second metric, Congestion Clearing Time, shows that the traffic policies – which temporarily change the pattern of traffic signals – do not significantly increase congestion after their use. In fact, the green corridor reduces it by 9.92%. </a:t>
+              <a:t>    Our second metric, Congestion Clearing Time, shows that the traffic policies – which temporarily change the pattern of traffic signals – do not significantly increase congestion after their use. In fact, the Green Corridor reduces it by 9.92% in heavy traffic. </a:t>
             </a:r>
-            <a:endParaRPr lang="en-US" sz="5000" dirty="0"/>
+            <a:endParaRPr lang="en-US" sz="4800" dirty="0"/>
           </a:p>
         </p:txBody>
       </p:sp>
